--- a/TicTacToe.pptx
+++ b/TicTacToe.pptx
@@ -7,6 +7,13 @@
   <p:sldIdLst>
     <p:sldId id="256" r:id="rId2"/>
     <p:sldId id="257" r:id="rId3"/>
+    <p:sldId id="264" r:id="rId4"/>
+    <p:sldId id="258" r:id="rId5"/>
+    <p:sldId id="259" r:id="rId6"/>
+    <p:sldId id="261" r:id="rId7"/>
+    <p:sldId id="260" r:id="rId8"/>
+    <p:sldId id="262" r:id="rId9"/>
+    <p:sldId id="263" r:id="rId10"/>
   </p:sldIdLst>
   <p:sldSz cx="12192000" cy="6858000"/>
   <p:notesSz cx="6858000" cy="9144000"/>
@@ -116,7 +123,9 @@
 <file path=ppt/revisionInfo.xml><?xml version="1.0" encoding="utf-8"?>
 <p1510:revInfo xmlns:a="http://schemas.openxmlformats.org/drawingml/2006/main" xmlns:r="http://schemas.openxmlformats.org/officeDocument/2006/relationships" xmlns:p1510="http://schemas.microsoft.com/office/powerpoint/2015/10/main">
   <p1510:revLst>
-    <p1510:client id="{0666559A-E6C0-004D-B1F4-A89D2561F001}" v="93" dt="2020-11-02T19:35:11.053"/>
+    <p1510:client id="{0666559A-E6C0-004D-B1F4-A89D2561F001}" v="114" dt="2020-11-03T12:11:25.638"/>
+    <p1510:client id="{7EC88506-5735-47E4-B32C-1B94B328E889}" v="189" dt="2020-11-03T09:30:20.218"/>
+    <p1510:client id="{B57C15AA-0BC2-4D8C-9DB6-8222A14E4091}" v="879" dt="2020-11-03T10:45:11.232"/>
   </p1510:revLst>
 </p1510:revInfo>
 </file>
@@ -124,9 +133,95 @@
 <file path=ppt/changesInfos/changesInfo1.xml><?xml version="1.0" encoding="utf-8"?>
 <pc:chgInfo xmlns:a="http://schemas.openxmlformats.org/drawingml/2006/main" xmlns:r="http://schemas.openxmlformats.org/officeDocument/2006/relationships" xmlns:ac="http://schemas.microsoft.com/office/drawing/2013/main/command" xmlns:pc="http://schemas.microsoft.com/office/powerpoint/2013/main/command">
   <pc:docChgLst>
+    <pc:chgData name="Gość" providerId="Windows Live" clId="Web-{7EC88506-5735-47E4-B32C-1B94B328E889}"/>
+    <pc:docChg chg="addSld modSld">
+      <pc:chgData name="Gość" userId="" providerId="Windows Live" clId="Web-{7EC88506-5735-47E4-B32C-1B94B328E889}" dt="2020-11-03T09:30:20.218" v="188"/>
+      <pc:docMkLst>
+        <pc:docMk/>
+      </pc:docMkLst>
+      <pc:sldChg chg="modSp">
+        <pc:chgData name="Gość" userId="" providerId="Windows Live" clId="Web-{7EC88506-5735-47E4-B32C-1B94B328E889}" dt="2020-11-03T09:15:43.599" v="0" actId="20577"/>
+        <pc:sldMkLst>
+          <pc:docMk/>
+          <pc:sldMk cId="1447493886" sldId="257"/>
+        </pc:sldMkLst>
+        <pc:spChg chg="mod">
+          <ac:chgData name="Gość" userId="" providerId="Windows Live" clId="Web-{7EC88506-5735-47E4-B32C-1B94B328E889}" dt="2020-11-03T09:15:43.599" v="0" actId="20577"/>
+          <ac:spMkLst>
+            <pc:docMk/>
+            <pc:sldMk cId="1447493886" sldId="257"/>
+            <ac:spMk id="6" creationId="{72B0082C-E5B8-F043-AF0B-7EE30D0E1747}"/>
+          </ac:spMkLst>
+        </pc:spChg>
+      </pc:sldChg>
+      <pc:sldChg chg="addSp delSp modSp mod setBg">
+        <pc:chgData name="Gość" userId="" providerId="Windows Live" clId="Web-{7EC88506-5735-47E4-B32C-1B94B328E889}" dt="2020-11-03T09:27:28.479" v="185" actId="20577"/>
+        <pc:sldMkLst>
+          <pc:docMk/>
+          <pc:sldMk cId="4234136263" sldId="259"/>
+        </pc:sldMkLst>
+        <pc:spChg chg="mod">
+          <ac:chgData name="Gość" userId="" providerId="Windows Live" clId="Web-{7EC88506-5735-47E4-B32C-1B94B328E889}" dt="2020-11-03T09:27:00.619" v="154" actId="20577"/>
+          <ac:spMkLst>
+            <pc:docMk/>
+            <pc:sldMk cId="4234136263" sldId="259"/>
+            <ac:spMk id="2" creationId="{F03BA790-6D2B-3944-B828-CBDC0F42ED0C}"/>
+          </ac:spMkLst>
+        </pc:spChg>
+        <pc:spChg chg="mod">
+          <ac:chgData name="Gość" userId="" providerId="Windows Live" clId="Web-{7EC88506-5735-47E4-B32C-1B94B328E889}" dt="2020-11-03T09:27:28.479" v="185" actId="20577"/>
+          <ac:spMkLst>
+            <pc:docMk/>
+            <pc:sldMk cId="4234136263" sldId="259"/>
+            <ac:spMk id="3" creationId="{B06B3668-3979-D040-8106-AD813C772018}"/>
+          </ac:spMkLst>
+        </pc:spChg>
+        <pc:spChg chg="add del mod">
+          <ac:chgData name="Gość" userId="" providerId="Windows Live" clId="Web-{7EC88506-5735-47E4-B32C-1B94B328E889}" dt="2020-11-03T09:20:28.108" v="50"/>
+          <ac:spMkLst>
+            <pc:docMk/>
+            <pc:sldMk cId="4234136263" sldId="259"/>
+            <ac:spMk id="4" creationId="{FDC60040-CF0B-4D34-A013-3131E6481A2F}"/>
+          </ac:spMkLst>
+        </pc:spChg>
+        <pc:spChg chg="add">
+          <ac:chgData name="Gość" userId="" providerId="Windows Live" clId="Web-{7EC88506-5735-47E4-B32C-1B94B328E889}" dt="2020-11-03T09:25:31.835" v="53"/>
+          <ac:spMkLst>
+            <pc:docMk/>
+            <pc:sldMk cId="4234136263" sldId="259"/>
+            <ac:spMk id="10" creationId="{26B4480E-B7FF-4481-890E-043A69AE6FE2}"/>
+          </ac:spMkLst>
+        </pc:spChg>
+        <pc:grpChg chg="add">
+          <ac:chgData name="Gość" userId="" providerId="Windows Live" clId="Web-{7EC88506-5735-47E4-B32C-1B94B328E889}" dt="2020-11-03T09:25:31.835" v="53"/>
+          <ac:grpSpMkLst>
+            <pc:docMk/>
+            <pc:sldMk cId="4234136263" sldId="259"/>
+            <ac:grpSpMk id="12" creationId="{79394E1F-0B5F-497D-B2A6-8383A2A54834}"/>
+          </ac:grpSpMkLst>
+        </pc:grpChg>
+        <pc:picChg chg="add mod">
+          <ac:chgData name="Gość" userId="" providerId="Windows Live" clId="Web-{7EC88506-5735-47E4-B32C-1B94B328E889}" dt="2020-11-03T09:25:31.835" v="53"/>
+          <ac:picMkLst>
+            <pc:docMk/>
+            <pc:sldMk cId="4234136263" sldId="259"/>
+            <ac:picMk id="5" creationId="{2C5AF293-5628-40F0-8284-5025CFFAF6AA}"/>
+          </ac:picMkLst>
+        </pc:picChg>
+      </pc:sldChg>
+      <pc:sldChg chg="new">
+        <pc:chgData name="Gość" userId="" providerId="Windows Live" clId="Web-{7EC88506-5735-47E4-B32C-1B94B328E889}" dt="2020-11-03T09:30:20.218" v="188"/>
+        <pc:sldMkLst>
+          <pc:docMk/>
+          <pc:sldMk cId="1386917934" sldId="260"/>
+        </pc:sldMkLst>
+      </pc:sldChg>
+    </pc:docChg>
+  </pc:docChgLst>
+  <pc:docChgLst>
     <pc:chgData name="Kamil Trąba" userId="4547bd4dd1ae952a" providerId="LiveId" clId="{0666559A-E6C0-004D-B1F4-A89D2561F001}"/>
-    <pc:docChg chg="undo custSel mod addSld modSld addMainMaster delMainMaster">
-      <pc:chgData name="Kamil Trąba" userId="4547bd4dd1ae952a" providerId="LiveId" clId="{0666559A-E6C0-004D-B1F4-A89D2561F001}" dt="2020-11-02T19:35:28.216" v="93" actId="680"/>
+    <pc:docChg chg="undo custSel mod addSld delSld modSld addMainMaster delMainMaster">
+      <pc:chgData name="Kamil Trąba" userId="4547bd4dd1ae952a" providerId="LiveId" clId="{0666559A-E6C0-004D-B1F4-A89D2561F001}" dt="2020-11-03T12:15:01.531" v="990" actId="207"/>
       <pc:docMkLst>
         <pc:docMk/>
       </pc:docMkLst>
@@ -289,12 +384,190 @@
           </ac:picMkLst>
         </pc:picChg>
       </pc:sldChg>
-      <pc:sldChg chg="new">
-        <pc:chgData name="Kamil Trąba" userId="4547bd4dd1ae952a" providerId="LiveId" clId="{0666559A-E6C0-004D-B1F4-A89D2561F001}" dt="2020-11-02T19:35:28.216" v="93" actId="680"/>
+      <pc:sldChg chg="addSp delSp modSp new mod">
+        <pc:chgData name="Kamil Trąba" userId="4547bd4dd1ae952a" providerId="LiveId" clId="{0666559A-E6C0-004D-B1F4-A89D2561F001}" dt="2020-11-02T21:24:48.618" v="632" actId="20577"/>
         <pc:sldMkLst>
           <pc:docMk/>
           <pc:sldMk cId="1447493886" sldId="257"/>
         </pc:sldMkLst>
+        <pc:spChg chg="mod">
+          <ac:chgData name="Kamil Trąba" userId="4547bd4dd1ae952a" providerId="LiveId" clId="{0666559A-E6C0-004D-B1F4-A89D2561F001}" dt="2020-11-02T21:22:30.101" v="614" actId="20577"/>
+          <ac:spMkLst>
+            <pc:docMk/>
+            <pc:sldMk cId="1447493886" sldId="257"/>
+            <ac:spMk id="2" creationId="{1F9956AC-C192-7D44-BD9A-6F8C45C82263}"/>
+          </ac:spMkLst>
+        </pc:spChg>
+        <pc:spChg chg="del mod">
+          <ac:chgData name="Kamil Trąba" userId="4547bd4dd1ae952a" providerId="LiveId" clId="{0666559A-E6C0-004D-B1F4-A89D2561F001}" dt="2020-11-02T20:34:40.554" v="278" actId="478"/>
+          <ac:spMkLst>
+            <pc:docMk/>
+            <pc:sldMk cId="1447493886" sldId="257"/>
+            <ac:spMk id="3" creationId="{51AAA482-D0D4-0D46-8BF7-71D7C1C9E637}"/>
+          </ac:spMkLst>
+        </pc:spChg>
+        <pc:spChg chg="add del mod">
+          <ac:chgData name="Kamil Trąba" userId="4547bd4dd1ae952a" providerId="LiveId" clId="{0666559A-E6C0-004D-B1F4-A89D2561F001}" dt="2020-11-02T20:23:58.992" v="158" actId="478"/>
+          <ac:spMkLst>
+            <pc:docMk/>
+            <pc:sldMk cId="1447493886" sldId="257"/>
+            <ac:spMk id="4" creationId="{36F25EE5-2BF6-ED4C-B0E8-F7C5D32A1276}"/>
+          </ac:spMkLst>
+        </pc:spChg>
+        <pc:spChg chg="add mod">
+          <ac:chgData name="Kamil Trąba" userId="4547bd4dd1ae952a" providerId="LiveId" clId="{0666559A-E6C0-004D-B1F4-A89D2561F001}" dt="2020-11-02T20:41:40.889" v="542" actId="20577"/>
+          <ac:spMkLst>
+            <pc:docMk/>
+            <pc:sldMk cId="1447493886" sldId="257"/>
+            <ac:spMk id="5" creationId="{D23853FD-5134-BB4E-9F13-7B30ECEC4881}"/>
+          </ac:spMkLst>
+        </pc:spChg>
+        <pc:spChg chg="add mod">
+          <ac:chgData name="Kamil Trąba" userId="4547bd4dd1ae952a" providerId="LiveId" clId="{0666559A-E6C0-004D-B1F4-A89D2561F001}" dt="2020-11-02T21:24:48.618" v="632" actId="20577"/>
+          <ac:spMkLst>
+            <pc:docMk/>
+            <pc:sldMk cId="1447493886" sldId="257"/>
+            <ac:spMk id="6" creationId="{72B0082C-E5B8-F043-AF0B-7EE30D0E1747}"/>
+          </ac:spMkLst>
+        </pc:spChg>
+      </pc:sldChg>
+      <pc:sldChg chg="addSp delSp modSp new mod">
+        <pc:chgData name="Kamil Trąba" userId="4547bd4dd1ae952a" providerId="LiveId" clId="{0666559A-E6C0-004D-B1F4-A89D2561F001}" dt="2020-11-02T20:46:03.172" v="612" actId="1076"/>
+        <pc:sldMkLst>
+          <pc:docMk/>
+          <pc:sldMk cId="752552241" sldId="258"/>
+        </pc:sldMkLst>
+        <pc:spChg chg="mod">
+          <ac:chgData name="Kamil Trąba" userId="4547bd4dd1ae952a" providerId="LiveId" clId="{0666559A-E6C0-004D-B1F4-A89D2561F001}" dt="2020-11-02T20:44:37.133" v="602" actId="14100"/>
+          <ac:spMkLst>
+            <pc:docMk/>
+            <pc:sldMk cId="752552241" sldId="258"/>
+            <ac:spMk id="2" creationId="{5094599F-4422-BA45-B677-1BFBBB703B7D}"/>
+          </ac:spMkLst>
+        </pc:spChg>
+        <pc:spChg chg="mod">
+          <ac:chgData name="Kamil Trąba" userId="4547bd4dd1ae952a" providerId="LiveId" clId="{0666559A-E6C0-004D-B1F4-A89D2561F001}" dt="2020-11-02T20:44:44.764" v="604" actId="1076"/>
+          <ac:spMkLst>
+            <pc:docMk/>
+            <pc:sldMk cId="752552241" sldId="258"/>
+            <ac:spMk id="3" creationId="{A7A3892D-95C2-A54D-BEA6-2F856BA5151B}"/>
+          </ac:spMkLst>
+        </pc:spChg>
+        <pc:spChg chg="add del mod">
+          <ac:chgData name="Kamil Trąba" userId="4547bd4dd1ae952a" providerId="LiveId" clId="{0666559A-E6C0-004D-B1F4-A89D2561F001}" dt="2020-11-02T20:45:10.936" v="606"/>
+          <ac:spMkLst>
+            <pc:docMk/>
+            <pc:sldMk cId="752552241" sldId="258"/>
+            <ac:spMk id="4" creationId="{010D8938-35F2-E840-9698-B77645E64223}"/>
+          </ac:spMkLst>
+        </pc:spChg>
+        <pc:picChg chg="add mod">
+          <ac:chgData name="Kamil Trąba" userId="4547bd4dd1ae952a" providerId="LiveId" clId="{0666559A-E6C0-004D-B1F4-A89D2561F001}" dt="2020-11-02T20:45:56.682" v="611" actId="1076"/>
+          <ac:picMkLst>
+            <pc:docMk/>
+            <pc:sldMk cId="752552241" sldId="258"/>
+            <ac:picMk id="1026" creationId="{5A327303-CED4-174E-9399-AA0349BE153B}"/>
+          </ac:picMkLst>
+        </pc:picChg>
+        <pc:picChg chg="add mod">
+          <ac:chgData name="Kamil Trąba" userId="4547bd4dd1ae952a" providerId="LiveId" clId="{0666559A-E6C0-004D-B1F4-A89D2561F001}" dt="2020-11-02T20:46:03.172" v="612" actId="1076"/>
+          <ac:picMkLst>
+            <pc:docMk/>
+            <pc:sldMk cId="752552241" sldId="258"/>
+            <ac:picMk id="1028" creationId="{9CA82D6B-DFB7-1A47-80EA-2A77F07B6CD0}"/>
+          </ac:picMkLst>
+        </pc:picChg>
+      </pc:sldChg>
+      <pc:sldChg chg="modSp new del mod">
+        <pc:chgData name="Kamil Trąba" userId="4547bd4dd1ae952a" providerId="LiveId" clId="{0666559A-E6C0-004D-B1F4-A89D2561F001}" dt="2020-11-02T20:25:02.750" v="165" actId="2696"/>
+        <pc:sldMkLst>
+          <pc:docMk/>
+          <pc:sldMk cId="3986181330" sldId="259"/>
+        </pc:sldMkLst>
+        <pc:spChg chg="mod">
+          <ac:chgData name="Kamil Trąba" userId="4547bd4dd1ae952a" providerId="LiveId" clId="{0666559A-E6C0-004D-B1F4-A89D2561F001}" dt="2020-11-02T20:24:59.519" v="164" actId="20577"/>
+          <ac:spMkLst>
+            <pc:docMk/>
+            <pc:sldMk cId="3986181330" sldId="259"/>
+            <ac:spMk id="3" creationId="{232B35EC-0D33-D34B-BF9D-8720EE426DB6}"/>
+          </ac:spMkLst>
+        </pc:spChg>
+      </pc:sldChg>
+      <pc:sldChg chg="new">
+        <pc:chgData name="Kamil Trąba" userId="4547bd4dd1ae952a" providerId="LiveId" clId="{0666559A-E6C0-004D-B1F4-A89D2561F001}" dt="2020-11-02T21:25:22.234" v="633" actId="680"/>
+        <pc:sldMkLst>
+          <pc:docMk/>
+          <pc:sldMk cId="4234136263" sldId="259"/>
+        </pc:sldMkLst>
+      </pc:sldChg>
+      <pc:sldChg chg="modSp mod">
+        <pc:chgData name="Kamil Trąba" userId="4547bd4dd1ae952a" providerId="LiveId" clId="{0666559A-E6C0-004D-B1F4-A89D2561F001}" dt="2020-11-03T11:54:43.490" v="701" actId="5793"/>
+        <pc:sldMkLst>
+          <pc:docMk/>
+          <pc:sldMk cId="2627833200" sldId="262"/>
+        </pc:sldMkLst>
+        <pc:spChg chg="mod">
+          <ac:chgData name="Kamil Trąba" userId="4547bd4dd1ae952a" providerId="LiveId" clId="{0666559A-E6C0-004D-B1F4-A89D2561F001}" dt="2020-11-03T11:54:43.490" v="701" actId="5793"/>
+          <ac:spMkLst>
+            <pc:docMk/>
+            <pc:sldMk cId="2627833200" sldId="262"/>
+            <ac:spMk id="3" creationId="{F96563CD-6C42-4411-A54A-61BF053B1CAD}"/>
+          </ac:spMkLst>
+        </pc:spChg>
+      </pc:sldChg>
+      <pc:sldChg chg="modSp mod">
+        <pc:chgData name="Kamil Trąba" userId="4547bd4dd1ae952a" providerId="LiveId" clId="{0666559A-E6C0-004D-B1F4-A89D2561F001}" dt="2020-11-03T12:15:01.531" v="990" actId="207"/>
+        <pc:sldMkLst>
+          <pc:docMk/>
+          <pc:sldMk cId="3249574859" sldId="263"/>
+        </pc:sldMkLst>
+        <pc:spChg chg="mod">
+          <ac:chgData name="Kamil Trąba" userId="4547bd4dd1ae952a" providerId="LiveId" clId="{0666559A-E6C0-004D-B1F4-A89D2561F001}" dt="2020-11-03T12:15:01.531" v="990" actId="207"/>
+          <ac:spMkLst>
+            <pc:docMk/>
+            <pc:sldMk cId="3249574859" sldId="263"/>
+            <ac:spMk id="2" creationId="{9A2AA783-5CA4-4A23-B066-731C84502BA0}"/>
+          </ac:spMkLst>
+        </pc:spChg>
+      </pc:sldChg>
+      <pc:sldChg chg="addSp modSp new mod">
+        <pc:chgData name="Kamil Trąba" userId="4547bd4dd1ae952a" providerId="LiveId" clId="{0666559A-E6C0-004D-B1F4-A89D2561F001}" dt="2020-11-03T12:11:25.637" v="951" actId="1076"/>
+        <pc:sldMkLst>
+          <pc:docMk/>
+          <pc:sldMk cId="716085031" sldId="264"/>
+        </pc:sldMkLst>
+        <pc:spChg chg="mod">
+          <ac:chgData name="Kamil Trąba" userId="4547bd4dd1ae952a" providerId="LiveId" clId="{0666559A-E6C0-004D-B1F4-A89D2561F001}" dt="2020-11-03T12:04:36.246" v="734" actId="255"/>
+          <ac:spMkLst>
+            <pc:docMk/>
+            <pc:sldMk cId="716085031" sldId="264"/>
+            <ac:spMk id="2" creationId="{C04BF06F-E077-DF47-89DF-FEA74870BFB0}"/>
+          </ac:spMkLst>
+        </pc:spChg>
+        <pc:spChg chg="mod">
+          <ac:chgData name="Kamil Trąba" userId="4547bd4dd1ae952a" providerId="LiveId" clId="{0666559A-E6C0-004D-B1F4-A89D2561F001}" dt="2020-11-03T12:05:31.977" v="778" actId="1076"/>
+          <ac:spMkLst>
+            <pc:docMk/>
+            <pc:sldMk cId="716085031" sldId="264"/>
+            <ac:spMk id="3" creationId="{4E14948E-CD13-0340-8FD8-049383793E37}"/>
+          </ac:spMkLst>
+        </pc:spChg>
+        <pc:spChg chg="add mod">
+          <ac:chgData name="Kamil Trąba" userId="4547bd4dd1ae952a" providerId="LiveId" clId="{0666559A-E6C0-004D-B1F4-A89D2561F001}" dt="2020-11-03T12:09:34.158" v="944" actId="1076"/>
+          <ac:spMkLst>
+            <pc:docMk/>
+            <pc:sldMk cId="716085031" sldId="264"/>
+            <ac:spMk id="4" creationId="{8B4CD84C-B7D9-BC44-BF08-D382F1F959D7}"/>
+          </ac:spMkLst>
+        </pc:spChg>
+        <pc:picChg chg="add mod">
+          <ac:chgData name="Kamil Trąba" userId="4547bd4dd1ae952a" providerId="LiveId" clId="{0666559A-E6C0-004D-B1F4-A89D2561F001}" dt="2020-11-03T12:11:25.637" v="951" actId="1076"/>
+          <ac:picMkLst>
+            <pc:docMk/>
+            <pc:sldMk cId="716085031" sldId="264"/>
+            <ac:picMk id="1026" creationId="{3DA310E8-070C-A34D-9317-F32956E65297}"/>
+          </ac:picMkLst>
+        </pc:picChg>
       </pc:sldChg>
       <pc:sldMasterChg chg="add del addSldLayout delSldLayout">
         <pc:chgData name="Kamil Trąba" userId="4547bd4dd1ae952a" providerId="LiveId" clId="{0666559A-E6C0-004D-B1F4-A89D2561F001}" dt="2020-11-02T19:30:56.651" v="8" actId="26606"/>
@@ -771,6 +1044,395 @@
           </pc:sldLayoutMkLst>
         </pc:sldLayoutChg>
       </pc:sldMasterChg>
+    </pc:docChg>
+  </pc:docChgLst>
+  <pc:docChgLst>
+    <pc:chgData name="Gość" providerId="Windows Live" clId="Web-{B57C15AA-0BC2-4D8C-9DB6-8222A14E4091}"/>
+    <pc:docChg chg="addSld modSld sldOrd">
+      <pc:chgData name="Gość" userId="" providerId="Windows Live" clId="Web-{B57C15AA-0BC2-4D8C-9DB6-8222A14E4091}" dt="2020-11-03T10:45:10.717" v="884" actId="20577"/>
+      <pc:docMkLst>
+        <pc:docMk/>
+      </pc:docMkLst>
+      <pc:sldChg chg="addSp delSp modSp mod setBg setClrOvrMap">
+        <pc:chgData name="Gość" userId="" providerId="Windows Live" clId="Web-{B57C15AA-0BC2-4D8C-9DB6-8222A14E4091}" dt="2020-11-03T10:36:07.558" v="307" actId="20577"/>
+        <pc:sldMkLst>
+          <pc:docMk/>
+          <pc:sldMk cId="1386917934" sldId="260"/>
+        </pc:sldMkLst>
+        <pc:spChg chg="mod">
+          <ac:chgData name="Gość" userId="" providerId="Windows Live" clId="Web-{B57C15AA-0BC2-4D8C-9DB6-8222A14E4091}" dt="2020-11-03T10:35:29.604" v="208" actId="20577"/>
+          <ac:spMkLst>
+            <pc:docMk/>
+            <pc:sldMk cId="1386917934" sldId="260"/>
+            <ac:spMk id="2" creationId="{E1959717-FA50-4EFD-9BF2-3D747CC4F165}"/>
+          </ac:spMkLst>
+        </pc:spChg>
+        <pc:spChg chg="mod">
+          <ac:chgData name="Gość" userId="" providerId="Windows Live" clId="Web-{B57C15AA-0BC2-4D8C-9DB6-8222A14E4091}" dt="2020-11-03T10:36:07.558" v="307" actId="20577"/>
+          <ac:spMkLst>
+            <pc:docMk/>
+            <pc:sldMk cId="1386917934" sldId="260"/>
+            <ac:spMk id="3" creationId="{B1B7BEE4-431F-40FA-9244-0EACEBF8A2B7}"/>
+          </ac:spMkLst>
+        </pc:spChg>
+        <pc:spChg chg="add del">
+          <ac:chgData name="Gość" userId="" providerId="Windows Live" clId="Web-{B57C15AA-0BC2-4D8C-9DB6-8222A14E4091}" dt="2020-11-03T10:28:10.500" v="7"/>
+          <ac:spMkLst>
+            <pc:docMk/>
+            <pc:sldMk cId="1386917934" sldId="260"/>
+            <ac:spMk id="9" creationId="{E08D4B6A-8113-4DFB-B82E-B60CAC8E0A50}"/>
+          </ac:spMkLst>
+        </pc:spChg>
+        <pc:spChg chg="add del">
+          <ac:chgData name="Gość" userId="" providerId="Windows Live" clId="Web-{B57C15AA-0BC2-4D8C-9DB6-8222A14E4091}" dt="2020-11-03T10:28:10.500" v="7"/>
+          <ac:spMkLst>
+            <pc:docMk/>
+            <pc:sldMk cId="1386917934" sldId="260"/>
+            <ac:spMk id="11" creationId="{9822E561-F97C-4CBB-A9A6-A6BF6317BC84}"/>
+          </ac:spMkLst>
+        </pc:spChg>
+        <pc:spChg chg="add del">
+          <ac:chgData name="Gość" userId="" providerId="Windows Live" clId="Web-{B57C15AA-0BC2-4D8C-9DB6-8222A14E4091}" dt="2020-11-03T10:28:10.500" v="7"/>
+          <ac:spMkLst>
+            <pc:docMk/>
+            <pc:sldMk cId="1386917934" sldId="260"/>
+            <ac:spMk id="13" creationId="{B01B0E58-A5C8-4CDA-A2E0-35DF94E59857}"/>
+          </ac:spMkLst>
+        </pc:spChg>
+        <pc:spChg chg="add del">
+          <ac:chgData name="Gość" userId="" providerId="Windows Live" clId="Web-{B57C15AA-0BC2-4D8C-9DB6-8222A14E4091}" dt="2020-11-03T10:28:10.500" v="6"/>
+          <ac:spMkLst>
+            <pc:docMk/>
+            <pc:sldMk cId="1386917934" sldId="260"/>
+            <ac:spMk id="15" creationId="{26B4480E-B7FF-4481-890E-043A69AE6FE2}"/>
+          </ac:spMkLst>
+        </pc:spChg>
+        <pc:spChg chg="add del">
+          <ac:chgData name="Gość" userId="" providerId="Windows Live" clId="Web-{B57C15AA-0BC2-4D8C-9DB6-8222A14E4091}" dt="2020-11-03T10:28:10.500" v="6"/>
+          <ac:spMkLst>
+            <pc:docMk/>
+            <pc:sldMk cId="1386917934" sldId="260"/>
+            <ac:spMk id="16" creationId="{8C2840C6-6494-4E12-A428-2012DA7DDF8A}"/>
+          </ac:spMkLst>
+        </pc:spChg>
+        <pc:spChg chg="add del">
+          <ac:chgData name="Gość" userId="" providerId="Windows Live" clId="Web-{B57C15AA-0BC2-4D8C-9DB6-8222A14E4091}" dt="2020-11-03T10:28:10.500" v="6"/>
+          <ac:spMkLst>
+            <pc:docMk/>
+            <pc:sldMk cId="1386917934" sldId="260"/>
+            <ac:spMk id="17" creationId="{8CF5084D-B617-4011-8406-A93B64723187}"/>
+          </ac:spMkLst>
+        </pc:spChg>
+        <pc:spChg chg="add del">
+          <ac:chgData name="Gość" userId="" providerId="Windows Live" clId="Web-{B57C15AA-0BC2-4D8C-9DB6-8222A14E4091}" dt="2020-11-03T10:28:01.328" v="4"/>
+          <ac:spMkLst>
+            <pc:docMk/>
+            <pc:sldMk cId="1386917934" sldId="260"/>
+            <ac:spMk id="18" creationId="{386191B5-2583-4B3E-B008-3E5A37614715}"/>
+          </ac:spMkLst>
+        </pc:spChg>
+        <pc:spChg chg="add del">
+          <ac:chgData name="Gość" userId="" providerId="Windows Live" clId="Web-{B57C15AA-0BC2-4D8C-9DB6-8222A14E4091}" dt="2020-11-03T10:29:45.393" v="19"/>
+          <ac:spMkLst>
+            <pc:docMk/>
+            <pc:sldMk cId="1386917934" sldId="260"/>
+            <ac:spMk id="19" creationId="{E08D4B6A-8113-4DFB-B82E-B60CAC8E0A50}"/>
+          </ac:spMkLst>
+        </pc:spChg>
+        <pc:spChg chg="add del">
+          <ac:chgData name="Gość" userId="" providerId="Windows Live" clId="Web-{B57C15AA-0BC2-4D8C-9DB6-8222A14E4091}" dt="2020-11-03T10:28:01.328" v="4"/>
+          <ac:spMkLst>
+            <pc:docMk/>
+            <pc:sldMk cId="1386917934" sldId="260"/>
+            <ac:spMk id="20" creationId="{295C4DB5-1B45-490F-A51B-23C9B9A433C2}"/>
+          </ac:spMkLst>
+        </pc:spChg>
+        <pc:spChg chg="add del">
+          <ac:chgData name="Gość" userId="" providerId="Windows Live" clId="Web-{B57C15AA-0BC2-4D8C-9DB6-8222A14E4091}" dt="2020-11-03T10:29:45.393" v="19"/>
+          <ac:spMkLst>
+            <pc:docMk/>
+            <pc:sldMk cId="1386917934" sldId="260"/>
+            <ac:spMk id="21" creationId="{9822E561-F97C-4CBB-A9A6-A6BF6317BC84}"/>
+          </ac:spMkLst>
+        </pc:spChg>
+        <pc:spChg chg="add del">
+          <ac:chgData name="Gość" userId="" providerId="Windows Live" clId="Web-{B57C15AA-0BC2-4D8C-9DB6-8222A14E4091}" dt="2020-11-03T10:28:01.328" v="4"/>
+          <ac:spMkLst>
+            <pc:docMk/>
+            <pc:sldMk cId="1386917934" sldId="260"/>
+            <ac:spMk id="22" creationId="{63C20DDE-67DF-47CA-B658-875EA5D810BA}"/>
+          </ac:spMkLst>
+        </pc:spChg>
+        <pc:spChg chg="add del">
+          <ac:chgData name="Gość" userId="" providerId="Windows Live" clId="Web-{B57C15AA-0BC2-4D8C-9DB6-8222A14E4091}" dt="2020-11-03T10:29:45.393" v="19"/>
+          <ac:spMkLst>
+            <pc:docMk/>
+            <pc:sldMk cId="1386917934" sldId="260"/>
+            <ac:spMk id="23" creationId="{B01B0E58-A5C8-4CDA-A2E0-35DF94E59857}"/>
+          </ac:spMkLst>
+        </pc:spChg>
+        <pc:spChg chg="add del">
+          <ac:chgData name="Gość" userId="" providerId="Windows Live" clId="Web-{B57C15AA-0BC2-4D8C-9DB6-8222A14E4091}" dt="2020-11-03T10:28:01.328" v="4"/>
+          <ac:spMkLst>
+            <pc:docMk/>
+            <pc:sldMk cId="1386917934" sldId="260"/>
+            <ac:spMk id="24" creationId="{72B4ED93-D6A4-4A1D-9CA7-A0549AB6D402}"/>
+          </ac:spMkLst>
+        </pc:spChg>
+        <pc:spChg chg="add del">
+          <ac:chgData name="Gość" userId="" providerId="Windows Live" clId="Web-{B57C15AA-0BC2-4D8C-9DB6-8222A14E4091}" dt="2020-11-03T10:28:01.328" v="4"/>
+          <ac:spMkLst>
+            <pc:docMk/>
+            <pc:sldMk cId="1386917934" sldId="260"/>
+            <ac:spMk id="26" creationId="{A9C7CFDB-8577-4539-8795-F8B34A3075B2}"/>
+          </ac:spMkLst>
+        </pc:spChg>
+        <pc:spChg chg="add">
+          <ac:chgData name="Gość" userId="" providerId="Windows Live" clId="Web-{B57C15AA-0BC2-4D8C-9DB6-8222A14E4091}" dt="2020-11-03T10:29:45.393" v="19"/>
+          <ac:spMkLst>
+            <pc:docMk/>
+            <pc:sldMk cId="1386917934" sldId="260"/>
+            <ac:spMk id="28" creationId="{26B4480E-B7FF-4481-890E-043A69AE6FE2}"/>
+          </ac:spMkLst>
+        </pc:spChg>
+        <pc:spChg chg="add">
+          <ac:chgData name="Gość" userId="" providerId="Windows Live" clId="Web-{B57C15AA-0BC2-4D8C-9DB6-8222A14E4091}" dt="2020-11-03T10:29:45.393" v="19"/>
+          <ac:spMkLst>
+            <pc:docMk/>
+            <pc:sldMk cId="1386917934" sldId="260"/>
+            <ac:spMk id="30" creationId="{8C2840C6-6494-4E12-A428-2012DA7DDF8A}"/>
+          </ac:spMkLst>
+        </pc:spChg>
+        <pc:spChg chg="add">
+          <ac:chgData name="Gość" userId="" providerId="Windows Live" clId="Web-{B57C15AA-0BC2-4D8C-9DB6-8222A14E4091}" dt="2020-11-03T10:29:45.393" v="19"/>
+          <ac:spMkLst>
+            <pc:docMk/>
+            <pc:sldMk cId="1386917934" sldId="260"/>
+            <ac:spMk id="32" creationId="{8CF5084D-B617-4011-8406-A93B64723187}"/>
+          </ac:spMkLst>
+        </pc:spChg>
+        <pc:picChg chg="add del mod ord">
+          <ac:chgData name="Gość" userId="" providerId="Windows Live" clId="Web-{B57C15AA-0BC2-4D8C-9DB6-8222A14E4091}" dt="2020-11-03T10:29:15.876" v="9"/>
+          <ac:picMkLst>
+            <pc:docMk/>
+            <pc:sldMk cId="1386917934" sldId="260"/>
+            <ac:picMk id="4" creationId="{89B123BA-4649-48A3-93FD-5F9B23D4ACF4}"/>
+          </ac:picMkLst>
+        </pc:picChg>
+        <pc:picChg chg="add mod">
+          <ac:chgData name="Gość" userId="" providerId="Windows Live" clId="Web-{B57C15AA-0BC2-4D8C-9DB6-8222A14E4091}" dt="2020-11-03T10:29:45.393" v="19"/>
+          <ac:picMkLst>
+            <pc:docMk/>
+            <pc:sldMk cId="1386917934" sldId="260"/>
+            <ac:picMk id="5" creationId="{1A2CFDFB-412D-4180-B7AA-3FFE160AD6F7}"/>
+          </ac:picMkLst>
+        </pc:picChg>
+      </pc:sldChg>
+      <pc:sldChg chg="addSp delSp modSp new mod ord setBg setClrOvrMap">
+        <pc:chgData name="Gość" userId="" providerId="Windows Live" clId="Web-{B57C15AA-0BC2-4D8C-9DB6-8222A14E4091}" dt="2020-11-03T10:35:03.791" v="179" actId="20577"/>
+        <pc:sldMkLst>
+          <pc:docMk/>
+          <pc:sldMk cId="127575334" sldId="261"/>
+        </pc:sldMkLst>
+        <pc:spChg chg="mod">
+          <ac:chgData name="Gość" userId="" providerId="Windows Live" clId="Web-{B57C15AA-0BC2-4D8C-9DB6-8222A14E4091}" dt="2020-11-03T10:34:05.118" v="88" actId="20577"/>
+          <ac:spMkLst>
+            <pc:docMk/>
+            <pc:sldMk cId="127575334" sldId="261"/>
+            <ac:spMk id="2" creationId="{972A2810-EF3E-42BB-91A7-471284095EA5}"/>
+          </ac:spMkLst>
+        </pc:spChg>
+        <pc:spChg chg="mod">
+          <ac:chgData name="Gość" userId="" providerId="Windows Live" clId="Web-{B57C15AA-0BC2-4D8C-9DB6-8222A14E4091}" dt="2020-11-03T10:35:03.791" v="179" actId="20577"/>
+          <ac:spMkLst>
+            <pc:docMk/>
+            <pc:sldMk cId="127575334" sldId="261"/>
+            <ac:spMk id="3" creationId="{46A6090B-6DD8-4142-8436-29DF4A534BA5}"/>
+          </ac:spMkLst>
+        </pc:spChg>
+        <pc:spChg chg="add del">
+          <ac:chgData name="Gość" userId="" providerId="Windows Live" clId="Web-{B57C15AA-0BC2-4D8C-9DB6-8222A14E4091}" dt="2020-11-03T10:32:50.991" v="34"/>
+          <ac:spMkLst>
+            <pc:docMk/>
+            <pc:sldMk cId="127575334" sldId="261"/>
+            <ac:spMk id="9" creationId="{E08D4B6A-8113-4DFB-B82E-B60CAC8E0A50}"/>
+          </ac:spMkLst>
+        </pc:spChg>
+        <pc:spChg chg="add del">
+          <ac:chgData name="Gość" userId="" providerId="Windows Live" clId="Web-{B57C15AA-0BC2-4D8C-9DB6-8222A14E4091}" dt="2020-11-03T10:32:50.991" v="34"/>
+          <ac:spMkLst>
+            <pc:docMk/>
+            <pc:sldMk cId="127575334" sldId="261"/>
+            <ac:spMk id="11" creationId="{9822E561-F97C-4CBB-A9A6-A6BF6317BC84}"/>
+          </ac:spMkLst>
+        </pc:spChg>
+        <pc:spChg chg="add del">
+          <ac:chgData name="Gość" userId="" providerId="Windows Live" clId="Web-{B57C15AA-0BC2-4D8C-9DB6-8222A14E4091}" dt="2020-11-03T10:32:50.991" v="34"/>
+          <ac:spMkLst>
+            <pc:docMk/>
+            <pc:sldMk cId="127575334" sldId="261"/>
+            <ac:spMk id="13" creationId="{B01B0E58-A5C8-4CDA-A2E0-35DF94E59857}"/>
+          </ac:spMkLst>
+        </pc:spChg>
+        <pc:spChg chg="add">
+          <ac:chgData name="Gość" userId="" providerId="Windows Live" clId="Web-{B57C15AA-0BC2-4D8C-9DB6-8222A14E4091}" dt="2020-11-03T10:32:50.991" v="34"/>
+          <ac:spMkLst>
+            <pc:docMk/>
+            <pc:sldMk cId="127575334" sldId="261"/>
+            <ac:spMk id="18" creationId="{26B4480E-B7FF-4481-890E-043A69AE6FE2}"/>
+          </ac:spMkLst>
+        </pc:spChg>
+        <pc:grpChg chg="add">
+          <ac:chgData name="Gość" userId="" providerId="Windows Live" clId="Web-{B57C15AA-0BC2-4D8C-9DB6-8222A14E4091}" dt="2020-11-03T10:32:50.991" v="34"/>
+          <ac:grpSpMkLst>
+            <pc:docMk/>
+            <pc:sldMk cId="127575334" sldId="261"/>
+            <ac:grpSpMk id="20" creationId="{79394E1F-0B5F-497D-B2A6-8383A2A54834}"/>
+          </ac:grpSpMkLst>
+        </pc:grpChg>
+        <pc:picChg chg="add del mod">
+          <ac:chgData name="Gość" userId="" providerId="Windows Live" clId="Web-{B57C15AA-0BC2-4D8C-9DB6-8222A14E4091}" dt="2020-11-03T10:30:42.535" v="26"/>
+          <ac:picMkLst>
+            <pc:docMk/>
+            <pc:sldMk cId="127575334" sldId="261"/>
+            <ac:picMk id="4" creationId="{9A853E88-888D-4F71-A47C-1180A43659B8}"/>
+          </ac:picMkLst>
+        </pc:picChg>
+        <pc:picChg chg="add mod">
+          <ac:chgData name="Gość" userId="" providerId="Windows Live" clId="Web-{B57C15AA-0BC2-4D8C-9DB6-8222A14E4091}" dt="2020-11-03T10:32:50.991" v="34"/>
+          <ac:picMkLst>
+            <pc:docMk/>
+            <pc:sldMk cId="127575334" sldId="261"/>
+            <ac:picMk id="5" creationId="{CCEC1285-60D9-45B9-9FD2-D1E8DCFEC255}"/>
+          </ac:picMkLst>
+        </pc:picChg>
+      </pc:sldChg>
+      <pc:sldChg chg="modSp new">
+        <pc:chgData name="Gość" userId="" providerId="Windows Live" clId="Web-{B57C15AA-0BC2-4D8C-9DB6-8222A14E4091}" dt="2020-11-03T10:43:49.836" v="831" actId="20577"/>
+        <pc:sldMkLst>
+          <pc:docMk/>
+          <pc:sldMk cId="2627833200" sldId="262"/>
+        </pc:sldMkLst>
+        <pc:spChg chg="mod">
+          <ac:chgData name="Gość" userId="" providerId="Windows Live" clId="Web-{B57C15AA-0BC2-4D8C-9DB6-8222A14E4091}" dt="2020-11-03T10:37:03.294" v="320" actId="20577"/>
+          <ac:spMkLst>
+            <pc:docMk/>
+            <pc:sldMk cId="2627833200" sldId="262"/>
+            <ac:spMk id="2" creationId="{0893EE95-F9FE-4498-A148-DB53D068E670}"/>
+          </ac:spMkLst>
+        </pc:spChg>
+        <pc:spChg chg="mod">
+          <ac:chgData name="Gość" userId="" providerId="Windows Live" clId="Web-{B57C15AA-0BC2-4D8C-9DB6-8222A14E4091}" dt="2020-11-03T10:43:49.836" v="831" actId="20577"/>
+          <ac:spMkLst>
+            <pc:docMk/>
+            <pc:sldMk cId="2627833200" sldId="262"/>
+            <ac:spMk id="3" creationId="{F96563CD-6C42-4411-A54A-61BF053B1CAD}"/>
+          </ac:spMkLst>
+        </pc:spChg>
+      </pc:sldChg>
+      <pc:sldChg chg="addSp delSp modSp new mod setBg setClrOvrMap">
+        <pc:chgData name="Gość" userId="" providerId="Windows Live" clId="Web-{B57C15AA-0BC2-4D8C-9DB6-8222A14E4091}" dt="2020-11-03T10:45:10.717" v="883" actId="20577"/>
+        <pc:sldMkLst>
+          <pc:docMk/>
+          <pc:sldMk cId="3249574859" sldId="263"/>
+        </pc:sldMkLst>
+        <pc:spChg chg="mod">
+          <ac:chgData name="Gość" userId="" providerId="Windows Live" clId="Web-{B57C15AA-0BC2-4D8C-9DB6-8222A14E4091}" dt="2020-11-03T10:45:10.717" v="883" actId="20577"/>
+          <ac:spMkLst>
+            <pc:docMk/>
+            <pc:sldMk cId="3249574859" sldId="263"/>
+            <ac:spMk id="2" creationId="{9A2AA783-5CA4-4A23-B066-731C84502BA0}"/>
+          </ac:spMkLst>
+        </pc:spChg>
+        <pc:spChg chg="del mod">
+          <ac:chgData name="Gość" userId="" providerId="Windows Live" clId="Web-{B57C15AA-0BC2-4D8C-9DB6-8222A14E4091}" dt="2020-11-03T10:44:24.840" v="873"/>
+          <ac:spMkLst>
+            <pc:docMk/>
+            <pc:sldMk cId="3249574859" sldId="263"/>
+            <ac:spMk id="3" creationId="{0A200B24-1A58-449C-B4DA-00E3F4EBBBBD}"/>
+          </ac:spMkLst>
+        </pc:spChg>
+        <pc:spChg chg="add del">
+          <ac:chgData name="Gość" userId="" providerId="Windows Live" clId="Web-{B57C15AA-0BC2-4D8C-9DB6-8222A14E4091}" dt="2020-11-03T10:44:58.357" v="879"/>
+          <ac:spMkLst>
+            <pc:docMk/>
+            <pc:sldMk cId="3249574859" sldId="263"/>
+            <ac:spMk id="8" creationId="{8E019540-1104-4B12-9F83-45F58674186F}"/>
+          </ac:spMkLst>
+        </pc:spChg>
+        <pc:spChg chg="add del">
+          <ac:chgData name="Gość" userId="" providerId="Windows Live" clId="Web-{B57C15AA-0BC2-4D8C-9DB6-8222A14E4091}" dt="2020-11-03T10:44:58.357" v="879"/>
+          <ac:spMkLst>
+            <pc:docMk/>
+            <pc:sldMk cId="3249574859" sldId="263"/>
+            <ac:spMk id="10" creationId="{3580CFD6-E44A-486A-9E73-D8D948F78A34}"/>
+          </ac:spMkLst>
+        </pc:spChg>
+        <pc:spChg chg="add del">
+          <ac:chgData name="Gość" userId="" providerId="Windows Live" clId="Web-{B57C15AA-0BC2-4D8C-9DB6-8222A14E4091}" dt="2020-11-03T10:44:58.357" v="878"/>
+          <ac:spMkLst>
+            <pc:docMk/>
+            <pc:sldMk cId="3249574859" sldId="263"/>
+            <ac:spMk id="12" creationId="{328C565D-A991-4381-AC37-76A58A4A128F}"/>
+          </ac:spMkLst>
+        </pc:spChg>
+        <pc:spChg chg="add del">
+          <ac:chgData name="Gość" userId="" providerId="Windows Live" clId="Web-{B57C15AA-0BC2-4D8C-9DB6-8222A14E4091}" dt="2020-11-03T10:44:58.357" v="878"/>
+          <ac:spMkLst>
+            <pc:docMk/>
+            <pc:sldMk cId="3249574859" sldId="263"/>
+            <ac:spMk id="13" creationId="{B7180431-F4DE-415D-BCBB-9316423C37C1}"/>
+          </ac:spMkLst>
+        </pc:spChg>
+        <pc:spChg chg="add">
+          <ac:chgData name="Gość" userId="" providerId="Windows Live" clId="Web-{B57C15AA-0BC2-4D8C-9DB6-8222A14E4091}" dt="2020-11-03T10:44:58.357" v="879"/>
+          <ac:spMkLst>
+            <pc:docMk/>
+            <pc:sldMk cId="3249574859" sldId="263"/>
+            <ac:spMk id="14" creationId="{8E019540-1104-4B12-9F83-45F58674186F}"/>
+          </ac:spMkLst>
+        </pc:spChg>
+        <pc:spChg chg="add del">
+          <ac:chgData name="Gość" userId="" providerId="Windows Live" clId="Web-{B57C15AA-0BC2-4D8C-9DB6-8222A14E4091}" dt="2020-11-03T10:44:46.450" v="876"/>
+          <ac:spMkLst>
+            <pc:docMk/>
+            <pc:sldMk cId="3249574859" sldId="263"/>
+            <ac:spMk id="15" creationId="{8E019540-1104-4B12-9F83-45F58674186F}"/>
+          </ac:spMkLst>
+        </pc:spChg>
+        <pc:spChg chg="add">
+          <ac:chgData name="Gość" userId="" providerId="Windows Live" clId="Web-{B57C15AA-0BC2-4D8C-9DB6-8222A14E4091}" dt="2020-11-03T10:44:58.357" v="879"/>
+          <ac:spMkLst>
+            <pc:docMk/>
+            <pc:sldMk cId="3249574859" sldId="263"/>
+            <ac:spMk id="16" creationId="{3580CFD6-E44A-486A-9E73-D8D948F78A34}"/>
+          </ac:spMkLst>
+        </pc:spChg>
+        <pc:spChg chg="add del">
+          <ac:chgData name="Gość" userId="" providerId="Windows Live" clId="Web-{B57C15AA-0BC2-4D8C-9DB6-8222A14E4091}" dt="2020-11-03T10:44:46.450" v="876"/>
+          <ac:spMkLst>
+            <pc:docMk/>
+            <pc:sldMk cId="3249574859" sldId="263"/>
+            <ac:spMk id="17" creationId="{3580CFD6-E44A-486A-9E73-D8D948F78A34}"/>
+          </ac:spMkLst>
+        </pc:spChg>
+        <pc:spChg chg="add del">
+          <ac:chgData name="Gość" userId="" providerId="Windows Live" clId="Web-{B57C15AA-0BC2-4D8C-9DB6-8222A14E4091}" dt="2020-11-03T10:44:58.357" v="878"/>
+          <ac:spMkLst>
+            <pc:docMk/>
+            <pc:sldMk cId="3249574859" sldId="263"/>
+            <ac:spMk id="19" creationId="{EEABD997-5EF9-4E9B-AFBB-F6DFAAF3ADF0}"/>
+          </ac:spMkLst>
+        </pc:spChg>
+        <pc:spChg chg="add del">
+          <ac:chgData name="Gość" userId="" providerId="Windows Live" clId="Web-{B57C15AA-0BC2-4D8C-9DB6-8222A14E4091}" dt="2020-11-03T10:44:58.357" v="878"/>
+          <ac:spMkLst>
+            <pc:docMk/>
+            <pc:sldMk cId="3249574859" sldId="263"/>
+            <ac:spMk id="21" creationId="{E9AB5EE6-A047-4B18-B998-D46DF3CC36FE}"/>
+          </ac:spMkLst>
+        </pc:spChg>
+      </pc:sldChg>
     </pc:docChg>
   </pc:docChgLst>
 </pc:chgInfo>
@@ -1014,7 +1676,7 @@
           <a:p>
             <a:fld id="{ED291B17-9318-49DB-B28B-6E5994AE9581}" type="datetime1">
               <a:rPr lang="en-US" smtClean="0"/>
-              <a:t>11/2/20</a:t>
+              <a:t>11/3/20</a:t>
             </a:fld>
             <a:endParaRPr lang="en-US" dirty="0"/>
           </a:p>
@@ -1217,7 +1879,7 @@
           <a:p>
             <a:fld id="{2CED4963-E985-44C4-B8C4-FDD613B7C2F8}" type="datetime1">
               <a:rPr lang="en-US" smtClean="0"/>
-              <a:t>11/2/20</a:t>
+              <a:t>11/3/20</a:t>
             </a:fld>
             <a:endParaRPr lang="en-US" dirty="0"/>
           </a:p>
@@ -1579,7 +2241,7 @@
           <a:p>
             <a:fld id="{ED291B17-9318-49DB-B28B-6E5994AE9581}" type="datetime1">
               <a:rPr lang="en-US" smtClean="0"/>
-              <a:t>11/2/20</a:t>
+              <a:t>11/3/20</a:t>
             </a:fld>
             <a:endParaRPr lang="en-US" dirty="0"/>
           </a:p>
@@ -1777,7 +2439,7 @@
           <a:p>
             <a:fld id="{78DD82B9-B8EE-4375-B6FF-88FA6ABB15D9}" type="datetime1">
               <a:rPr lang="en-US" smtClean="0"/>
-              <a:t>11/2/20</a:t>
+              <a:t>11/3/20</a:t>
             </a:fld>
             <a:endParaRPr lang="en-US" dirty="0"/>
           </a:p>
@@ -2089,7 +2751,7 @@
           <a:p>
             <a:fld id="{B2497495-0637-405E-AE64-5CC7506D51F5}" type="datetime1">
               <a:rPr lang="en-US" smtClean="0"/>
-              <a:t>11/2/20</a:t>
+              <a:t>11/3/20</a:t>
             </a:fld>
             <a:endParaRPr lang="en-US" dirty="0"/>
           </a:p>
@@ -2342,7 +3004,7 @@
           <a:p>
             <a:fld id="{7BFFD690-9426-415D-8B65-26881E07B2D4}" type="datetime1">
               <a:rPr lang="en-US" smtClean="0"/>
-              <a:t>11/2/20</a:t>
+              <a:t>11/3/20</a:t>
             </a:fld>
             <a:endParaRPr lang="en-US" dirty="0"/>
           </a:p>
@@ -2764,7 +3426,7 @@
           <a:p>
             <a:fld id="{04C4989A-474C-40DE-95B9-011C28B71673}" type="datetime1">
               <a:rPr lang="en-US" smtClean="0"/>
-              <a:t>11/2/20</a:t>
+              <a:t>11/3/20</a:t>
             </a:fld>
             <a:endParaRPr lang="en-US" dirty="0"/>
           </a:p>
@@ -2887,7 +3549,7 @@
           <a:p>
             <a:fld id="{5DB4ED54-5B5E-4A04-93D3-5772E3CE3818}" type="datetime1">
               <a:rPr lang="en-US" smtClean="0"/>
-              <a:t>11/2/20</a:t>
+              <a:t>11/3/20</a:t>
             </a:fld>
             <a:endParaRPr lang="en-US" dirty="0"/>
           </a:p>
@@ -2982,7 +3644,7 @@
           <a:p>
             <a:fld id="{4EDE50D6-574B-40AF-946F-D52A04ADE379}" type="datetime1">
               <a:rPr lang="en-US" smtClean="0"/>
-              <a:t>11/2/20</a:t>
+              <a:t>11/3/20</a:t>
             </a:fld>
             <a:endParaRPr lang="en-US" dirty="0"/>
           </a:p>
@@ -3359,7 +4021,7 @@
           <a:p>
             <a:fld id="{D82884F1-FFEA-405F-9602-3DCA865EDA4E}" type="datetime1">
               <a:rPr lang="en-US" smtClean="0"/>
-              <a:t>11/2/20</a:t>
+              <a:t>11/3/20</a:t>
             </a:fld>
             <a:endParaRPr lang="en-US" dirty="0"/>
           </a:p>
@@ -3652,7 +4314,7 @@
           <a:p>
             <a:fld id="{7E18DB4A-8810-4A10-AD5C-D5E2C667F5B3}" type="datetime1">
               <a:rPr lang="en-US" smtClean="0"/>
-              <a:t>11/2/20</a:t>
+              <a:t>11/3/20</a:t>
             </a:fld>
             <a:endParaRPr lang="en-US" dirty="0"/>
           </a:p>
@@ -3867,7 +4529,7 @@
           <a:p>
             <a:fld id="{ED291B17-9318-49DB-B28B-6E5994AE9581}" type="datetime1">
               <a:rPr lang="en-US" smtClean="0"/>
-              <a:t>11/2/20</a:t>
+              <a:t>11/3/20</a:t>
             </a:fld>
             <a:endParaRPr lang="en-US" dirty="0"/>
           </a:p>
@@ -4899,24 +5561,164 @@
             <p:ph type="ctrTitle"/>
           </p:nvPr>
         </p:nvSpPr>
-        <p:spPr/>
-        <p:txBody>
-          <a:bodyPr/>
+        <p:spPr>
+          <a:xfrm>
+            <a:off x="599225" y="925976"/>
+            <a:ext cx="10993549" cy="1400536"/>
+          </a:xfrm>
+        </p:spPr>
+        <p:txBody>
+          <a:bodyPr>
+            <a:noAutofit/>
+          </a:bodyPr>
           <a:lstStyle/>
           <a:p>
-            <a:endParaRPr lang="en-GB"/>
-          </a:p>
-        </p:txBody>
-      </p:sp>
-      <p:sp>
-        <p:nvSpPr>
-          <p:cNvPr id="3" name="Podtytuł 2">
+            <a:pPr algn="ctr"/>
+            <a:r>
+              <a:rPr lang="en-GB" sz="4400" dirty="0"/>
+              <a:t>GRA TICTACTOE KÓŁKIEM I KRZYŻYKIEM </a:t>
+            </a:r>
+            <a:r>
+              <a:rPr lang="en-GB" sz="4400" dirty="0" err="1"/>
+              <a:t>ZWANa</a:t>
+            </a:r>
+            <a:r>
+              <a:rPr lang="en-GB" sz="4400" dirty="0"/>
+              <a:t>…</a:t>
+            </a:r>
+          </a:p>
+        </p:txBody>
+      </p:sp>
+      <p:sp>
+        <p:nvSpPr>
+          <p:cNvPr id="5" name="pole tekstowe 4">
             <a:extLst>
               <a:ext uri="{FF2B5EF4-FFF2-40B4-BE49-F238E27FC236}">
-                <a16:creationId xmlns:a16="http://schemas.microsoft.com/office/drawing/2014/main" id="{51AAA482-D0D4-0D46-8BF7-71D7C1C9E637}"/>
+                <a16:creationId xmlns:a16="http://schemas.microsoft.com/office/drawing/2014/main" id="{D23853FD-5134-BB4E-9F13-7B30ECEC4881}"/>
               </a:ext>
             </a:extLst>
           </p:cNvPr>
+          <p:cNvSpPr txBox="1"/>
+          <p:nvPr/>
+        </p:nvSpPr>
+        <p:spPr>
+          <a:xfrm>
+            <a:off x="462987" y="3102015"/>
+            <a:ext cx="11273742" cy="3754874"/>
+          </a:xfrm>
+          <a:prstGeom prst="rect">
+            <a:avLst/>
+          </a:prstGeom>
+          <a:noFill/>
+        </p:spPr>
+        <p:txBody>
+          <a:bodyPr wrap="square" rtlCol="0">
+            <a:spAutoFit/>
+          </a:bodyPr>
+          <a:lstStyle/>
+          <a:p>
+            <a:pPr marL="457200" indent="-457200">
+              <a:lnSpc>
+                <a:spcPct val="150000"/>
+              </a:lnSpc>
+              <a:buFont typeface="Arial" panose="020B0604020202020204" pitchFamily="34" charset="0"/>
+              <a:buChar char="•"/>
+            </a:pPr>
+            <a:r>
+              <a:rPr lang="en-GB" sz="2800" dirty="0">
+                <a:solidFill>
+                  <a:schemeClr val="bg1"/>
+                </a:solidFill>
+              </a:rPr>
+              <a:t>WYŚWIETLANIE INSTRUKCJI;</a:t>
+            </a:r>
+          </a:p>
+          <a:p>
+            <a:pPr marL="457200" indent="-457200">
+              <a:lnSpc>
+                <a:spcPct val="150000"/>
+              </a:lnSpc>
+              <a:buFont typeface="Arial" panose="020B0604020202020204" pitchFamily="34" charset="0"/>
+              <a:buChar char="•"/>
+            </a:pPr>
+            <a:r>
+              <a:rPr lang="en-GB" sz="2800" dirty="0">
+                <a:solidFill>
+                  <a:schemeClr val="bg1"/>
+                </a:solidFill>
+              </a:rPr>
+              <a:t>POBIERANIE INPUTU OD GRACZA;</a:t>
+            </a:r>
+          </a:p>
+          <a:p>
+            <a:pPr marL="457200" indent="-457200">
+              <a:lnSpc>
+                <a:spcPct val="150000"/>
+              </a:lnSpc>
+              <a:buFont typeface="Arial" panose="020B0604020202020204" pitchFamily="34" charset="0"/>
+              <a:buChar char="•"/>
+            </a:pPr>
+            <a:r>
+              <a:rPr lang="en-GB" sz="2800" dirty="0">
+                <a:solidFill>
+                  <a:schemeClr val="bg1"/>
+                </a:solidFill>
+              </a:rPr>
+              <a:t>SPRAWDZANIE POPRAWNOŚCI INPUTU;</a:t>
+            </a:r>
+          </a:p>
+          <a:p>
+            <a:pPr marL="457200" indent="-457200">
+              <a:lnSpc>
+                <a:spcPct val="150000"/>
+              </a:lnSpc>
+              <a:buFont typeface="Arial" panose="020B0604020202020204" pitchFamily="34" charset="0"/>
+              <a:buChar char="•"/>
+            </a:pPr>
+            <a:r>
+              <a:rPr lang="en-GB" sz="2800" dirty="0">
+                <a:solidFill>
+                  <a:schemeClr val="bg1"/>
+                </a:solidFill>
+              </a:rPr>
+              <a:t>WYŚWIETLANIE AKTUALNEGO STANU GRY;</a:t>
+            </a:r>
+          </a:p>
+          <a:p>
+            <a:pPr marL="457200" indent="-457200">
+              <a:lnSpc>
+                <a:spcPct val="150000"/>
+              </a:lnSpc>
+              <a:buFont typeface="Arial" panose="020B0604020202020204" pitchFamily="34" charset="0"/>
+              <a:buChar char="•"/>
+            </a:pPr>
+            <a:r>
+              <a:rPr lang="en-GB" sz="2800" dirty="0">
+                <a:solidFill>
+                  <a:schemeClr val="bg1"/>
+                </a:solidFill>
+              </a:rPr>
+              <a:t>MOŻLIWOŚĆ GRY Z KOMPUTEREM.</a:t>
+            </a:r>
+          </a:p>
+          <a:p>
+            <a:endParaRPr lang="en-GB" sz="2800" dirty="0">
+              <a:solidFill>
+                <a:schemeClr val="bg1"/>
+              </a:solidFill>
+            </a:endParaRPr>
+          </a:p>
+        </p:txBody>
+      </p:sp>
+      <p:sp>
+        <p:nvSpPr>
+          <p:cNvPr id="6" name="Podtytuł 2">
+            <a:extLst>
+              <a:ext uri="{FF2B5EF4-FFF2-40B4-BE49-F238E27FC236}">
+                <a16:creationId xmlns:a16="http://schemas.microsoft.com/office/drawing/2014/main" id="{72B0082C-E5B8-F043-AF0B-7EE30D0E1747}"/>
+              </a:ext>
+            </a:extLst>
+          </p:cNvPr>
           <p:cNvSpPr>
             <a:spLocks noGrp="1"/>
           </p:cNvSpPr>
@@ -4924,12 +5726,22 @@
             <p:ph type="subTitle" idx="1"/>
           </p:nvPr>
         </p:nvSpPr>
-        <p:spPr/>
-        <p:txBody>
-          <a:bodyPr/>
+        <p:spPr>
+          <a:xfrm>
+            <a:off x="462987" y="2419103"/>
+            <a:ext cx="10993546" cy="590321"/>
+          </a:xfrm>
+        </p:spPr>
+        <p:txBody>
+          <a:bodyPr>
+            <a:noAutofit/>
+          </a:bodyPr>
           <a:lstStyle/>
           <a:p>
-            <a:endParaRPr lang="en-GB"/>
+            <a:r>
+              <a:rPr lang="en-GB" sz="3200" dirty="0"/>
+              <a:t>Funkcjonalność:</a:t>
+            </a:r>
           </a:p>
         </p:txBody>
       </p:sp>
@@ -4942,6 +5754,2089 @@
   </p:cSld>
   <p:clrMapOvr>
     <a:masterClrMapping/>
+  </p:clrMapOvr>
+</p:sld>
+</file>
+
+<file path=ppt/slides/slide3.xml><?xml version="1.0" encoding="utf-8"?>
+<p:sld xmlns:a="http://schemas.openxmlformats.org/drawingml/2006/main" xmlns:r="http://schemas.openxmlformats.org/officeDocument/2006/relationships" xmlns:p="http://schemas.openxmlformats.org/presentationml/2006/main">
+  <p:cSld>
+    <p:spTree>
+      <p:nvGrpSpPr>
+        <p:cNvPr id="1" name=""/>
+        <p:cNvGrpSpPr/>
+        <p:nvPr/>
+      </p:nvGrpSpPr>
+      <p:grpSpPr>
+        <a:xfrm>
+          <a:off x="0" y="0"/>
+          <a:ext cx="0" cy="0"/>
+          <a:chOff x="0" y="0"/>
+          <a:chExt cx="0" cy="0"/>
+        </a:xfrm>
+      </p:grpSpPr>
+      <p:sp>
+        <p:nvSpPr>
+          <p:cNvPr id="2" name="Tytuł 1">
+            <a:extLst>
+              <a:ext uri="{FF2B5EF4-FFF2-40B4-BE49-F238E27FC236}">
+                <a16:creationId xmlns:a16="http://schemas.microsoft.com/office/drawing/2014/main" id="{C04BF06F-E077-DF47-89DF-FEA74870BFB0}"/>
+              </a:ext>
+            </a:extLst>
+          </p:cNvPr>
+          <p:cNvSpPr>
+            <a:spLocks noGrp="1"/>
+          </p:cNvSpPr>
+          <p:nvPr>
+            <p:ph type="ctrTitle"/>
+          </p:nvPr>
+        </p:nvSpPr>
+        <p:spPr/>
+        <p:txBody>
+          <a:bodyPr anchor="ctr">
+            <a:normAutofit/>
+          </a:bodyPr>
+          <a:lstStyle/>
+          <a:p>
+            <a:pPr algn="ctr"/>
+            <a:r>
+              <a:rPr lang="en-GB" sz="4400" dirty="0"/>
+              <a:t>Co w </a:t>
+            </a:r>
+            <a:r>
+              <a:rPr lang="en-GB" sz="4400" dirty="0" err="1"/>
+              <a:t>tym</a:t>
+            </a:r>
+            <a:r>
+              <a:rPr lang="en-GB" sz="4400" dirty="0"/>
+              <a:t> </a:t>
+            </a:r>
+            <a:r>
+              <a:rPr lang="en-GB" sz="4400" dirty="0" err="1"/>
+              <a:t>czasie</a:t>
+            </a:r>
+            <a:r>
+              <a:rPr lang="en-GB" sz="4400" dirty="0"/>
+              <a:t> </a:t>
+            </a:r>
+            <a:r>
+              <a:rPr lang="en-GB" sz="4400" dirty="0" err="1"/>
+              <a:t>się</a:t>
+            </a:r>
+            <a:r>
+              <a:rPr lang="en-GB" sz="4400" dirty="0"/>
+              <a:t> </a:t>
+            </a:r>
+            <a:r>
+              <a:rPr lang="en-GB" sz="4400" dirty="0" err="1"/>
+              <a:t>działo</a:t>
+            </a:r>
+            <a:r>
+              <a:rPr lang="en-GB" sz="4400" dirty="0"/>
+              <a:t>?</a:t>
+            </a:r>
+          </a:p>
+        </p:txBody>
+      </p:sp>
+      <p:sp>
+        <p:nvSpPr>
+          <p:cNvPr id="3" name="Podtytuł 2">
+            <a:extLst>
+              <a:ext uri="{FF2B5EF4-FFF2-40B4-BE49-F238E27FC236}">
+                <a16:creationId xmlns:a16="http://schemas.microsoft.com/office/drawing/2014/main" id="{4E14948E-CD13-0340-8FD8-049383793E37}"/>
+              </a:ext>
+            </a:extLst>
+          </p:cNvPr>
+          <p:cNvSpPr>
+            <a:spLocks noGrp="1"/>
+          </p:cNvSpPr>
+          <p:nvPr>
+            <p:ph type="subTitle" idx="1"/>
+          </p:nvPr>
+        </p:nvSpPr>
+        <p:spPr>
+          <a:xfrm>
+            <a:off x="581191" y="2200283"/>
+            <a:ext cx="10993546" cy="590321"/>
+          </a:xfrm>
+        </p:spPr>
+        <p:txBody>
+          <a:bodyPr>
+            <a:noAutofit/>
+          </a:bodyPr>
+          <a:lstStyle/>
+          <a:p>
+            <a:r>
+              <a:rPr lang="en-GB" sz="3200" dirty="0" err="1"/>
+              <a:t>Faktów</a:t>
+            </a:r>
+            <a:r>
+              <a:rPr lang="en-GB" sz="3200" dirty="0"/>
+              <a:t> </a:t>
+            </a:r>
+            <a:r>
+              <a:rPr lang="en-GB" sz="3200" dirty="0" err="1"/>
+              <a:t>suchych</a:t>
+            </a:r>
+            <a:r>
+              <a:rPr lang="en-GB" sz="3200" dirty="0"/>
+              <a:t> </a:t>
+            </a:r>
+            <a:r>
+              <a:rPr lang="en-GB" sz="3200" dirty="0" err="1"/>
+              <a:t>garść</a:t>
+            </a:r>
+            <a:endParaRPr lang="en-GB" sz="3200" dirty="0"/>
+          </a:p>
+        </p:txBody>
+      </p:sp>
+      <p:sp>
+        <p:nvSpPr>
+          <p:cNvPr id="4" name="pole tekstowe 3">
+            <a:extLst>
+              <a:ext uri="{FF2B5EF4-FFF2-40B4-BE49-F238E27FC236}">
+                <a16:creationId xmlns:a16="http://schemas.microsoft.com/office/drawing/2014/main" id="{8B4CD84C-B7D9-BC44-BF08-D382F1F959D7}"/>
+              </a:ext>
+            </a:extLst>
+          </p:cNvPr>
+          <p:cNvSpPr txBox="1"/>
+          <p:nvPr/>
+        </p:nvSpPr>
+        <p:spPr>
+          <a:xfrm>
+            <a:off x="459129" y="3467689"/>
+            <a:ext cx="11273742" cy="2369880"/>
+          </a:xfrm>
+          <a:prstGeom prst="rect">
+            <a:avLst/>
+          </a:prstGeom>
+          <a:noFill/>
+        </p:spPr>
+        <p:txBody>
+          <a:bodyPr wrap="square" rtlCol="0">
+            <a:spAutoFit/>
+          </a:bodyPr>
+          <a:lstStyle/>
+          <a:p>
+            <a:r>
+              <a:rPr lang="pl-PL" sz="2800" dirty="0">
+                <a:solidFill>
+                  <a:schemeClr val="bg1"/>
+                </a:solidFill>
+              </a:rPr>
+              <a:t>Wykorzystany język: 		</a:t>
+            </a:r>
+            <a:r>
+              <a:rPr lang="pl-PL" sz="2800" b="1" dirty="0" err="1">
+                <a:solidFill>
+                  <a:schemeClr val="bg1"/>
+                </a:solidFill>
+              </a:rPr>
+              <a:t>Python</a:t>
+            </a:r>
+            <a:r>
+              <a:rPr lang="pl-PL" sz="2800" b="1" dirty="0">
+                <a:solidFill>
+                  <a:schemeClr val="bg1"/>
+                </a:solidFill>
+              </a:rPr>
+              <a:t> 3</a:t>
+            </a:r>
+          </a:p>
+          <a:p>
+            <a:endParaRPr lang="pl-PL" sz="2800" dirty="0">
+              <a:solidFill>
+                <a:schemeClr val="bg1"/>
+              </a:solidFill>
+            </a:endParaRPr>
+          </a:p>
+          <a:p>
+            <a:r>
+              <a:rPr lang="pl-PL" sz="2800" dirty="0">
+                <a:solidFill>
+                  <a:schemeClr val="bg1"/>
+                </a:solidFill>
+              </a:rPr>
+              <a:t>Końcowa liczba linijek kodu: 	</a:t>
+            </a:r>
+            <a:r>
+              <a:rPr lang="pl-PL" sz="2800" b="1" dirty="0">
+                <a:solidFill>
+                  <a:schemeClr val="bg1"/>
+                </a:solidFill>
+              </a:rPr>
+              <a:t>268</a:t>
+            </a:r>
+          </a:p>
+          <a:p>
+            <a:endParaRPr lang="pl-PL" sz="2800" dirty="0">
+              <a:solidFill>
+                <a:schemeClr val="bg1"/>
+              </a:solidFill>
+            </a:endParaRPr>
+          </a:p>
+          <a:p>
+            <a:r>
+              <a:rPr lang="pl-PL" sz="2800" dirty="0">
+                <a:solidFill>
+                  <a:schemeClr val="bg1"/>
+                </a:solidFill>
+              </a:rPr>
+              <a:t>Liczba usuniętych linijek kodu:	</a:t>
+            </a:r>
+            <a:r>
+              <a:rPr lang="pl-PL" sz="2800" b="1" dirty="0">
+                <a:solidFill>
+                  <a:schemeClr val="bg1"/>
+                </a:solidFill>
+              </a:rPr>
+              <a:t>1,3*10</a:t>
+            </a:r>
+            <a:r>
+              <a:rPr lang="pl-PL" sz="3600" b="1" baseline="30000" dirty="0">
+                <a:solidFill>
+                  <a:schemeClr val="bg1"/>
+                </a:solidFill>
+              </a:rPr>
+              <a:t>n</a:t>
+            </a:r>
+            <a:endParaRPr lang="pl-PL" sz="3600" b="1" dirty="0">
+              <a:solidFill>
+                <a:schemeClr val="bg1"/>
+              </a:solidFill>
+            </a:endParaRPr>
+          </a:p>
+        </p:txBody>
+      </p:sp>
+      <p:pic>
+        <p:nvPicPr>
+          <p:cNvPr id="1026" name="Picture 2" descr="Why I Am Creating a Programming Language | by Matthew Roever | Level Up  Coding">
+            <a:extLst>
+              <a:ext uri="{FF2B5EF4-FFF2-40B4-BE49-F238E27FC236}">
+                <a16:creationId xmlns:a16="http://schemas.microsoft.com/office/drawing/2014/main" id="{3DA310E8-070C-A34D-9317-F32956E65297}"/>
+              </a:ext>
+            </a:extLst>
+          </p:cNvPr>
+          <p:cNvPicPr>
+            <a:picLocks noChangeAspect="1" noChangeArrowheads="1"/>
+          </p:cNvPicPr>
+          <p:nvPr/>
+        </p:nvPicPr>
+        <p:blipFill>
+          <a:blip r:embed="rId2">
+            <a:extLst>
+              <a:ext uri="{28A0092B-C50C-407E-A947-70E740481C1C}">
+                <a14:useLocalDpi xmlns:a14="http://schemas.microsoft.com/office/drawing/2010/main" val="0"/>
+              </a:ext>
+            </a:extLst>
+          </a:blip>
+          <a:srcRect/>
+          <a:stretch>
+            <a:fillRect/>
+          </a:stretch>
+        </p:blipFill>
+        <p:spPr bwMode="auto">
+          <a:xfrm>
+            <a:off x="7500551" y="3550775"/>
+            <a:ext cx="3305563" cy="2203708"/>
+          </a:xfrm>
+          <a:prstGeom prst="rect">
+            <a:avLst/>
+          </a:prstGeom>
+          <a:noFill/>
+          <a:extLst>
+            <a:ext uri="{909E8E84-426E-40DD-AFC4-6F175D3DCCD1}">
+              <a14:hiddenFill xmlns:a14="http://schemas.microsoft.com/office/drawing/2010/main">
+                <a:solidFill>
+                  <a:srgbClr val="FFFFFF"/>
+                </a:solidFill>
+              </a14:hiddenFill>
+            </a:ext>
+          </a:extLst>
+        </p:spPr>
+      </p:pic>
+    </p:spTree>
+    <p:extLst>
+      <p:ext uri="{BB962C8B-B14F-4D97-AF65-F5344CB8AC3E}">
+        <p14:creationId xmlns:p14="http://schemas.microsoft.com/office/powerpoint/2010/main" val="716085031"/>
+      </p:ext>
+    </p:extLst>
+  </p:cSld>
+  <p:clrMapOvr>
+    <a:masterClrMapping/>
+  </p:clrMapOvr>
+</p:sld>
+</file>
+
+<file path=ppt/slides/slide4.xml><?xml version="1.0" encoding="utf-8"?>
+<p:sld xmlns:a="http://schemas.openxmlformats.org/drawingml/2006/main" xmlns:r="http://schemas.openxmlformats.org/officeDocument/2006/relationships" xmlns:p="http://schemas.openxmlformats.org/presentationml/2006/main">
+  <p:cSld>
+    <p:spTree>
+      <p:nvGrpSpPr>
+        <p:cNvPr id="1" name=""/>
+        <p:cNvGrpSpPr/>
+        <p:nvPr/>
+      </p:nvGrpSpPr>
+      <p:grpSpPr>
+        <a:xfrm>
+          <a:off x="0" y="0"/>
+          <a:ext cx="0" cy="0"/>
+          <a:chOff x="0" y="0"/>
+          <a:chExt cx="0" cy="0"/>
+        </a:xfrm>
+      </p:grpSpPr>
+      <p:sp>
+        <p:nvSpPr>
+          <p:cNvPr id="2" name="Tytuł 1">
+            <a:extLst>
+              <a:ext uri="{FF2B5EF4-FFF2-40B4-BE49-F238E27FC236}">
+                <a16:creationId xmlns:a16="http://schemas.microsoft.com/office/drawing/2014/main" id="{5094599F-4422-BA45-B677-1BFBBB703B7D}"/>
+              </a:ext>
+            </a:extLst>
+          </p:cNvPr>
+          <p:cNvSpPr>
+            <a:spLocks noGrp="1"/>
+          </p:cNvSpPr>
+          <p:nvPr>
+            <p:ph type="ctrTitle"/>
+          </p:nvPr>
+        </p:nvSpPr>
+        <p:spPr>
+          <a:xfrm>
+            <a:off x="581191" y="1020432"/>
+            <a:ext cx="10993549" cy="958840"/>
+          </a:xfrm>
+        </p:spPr>
+        <p:txBody>
+          <a:bodyPr anchor="ctr">
+            <a:normAutofit/>
+          </a:bodyPr>
+          <a:lstStyle/>
+          <a:p>
+            <a:pPr algn="ctr"/>
+            <a:r>
+              <a:rPr lang="en-GB" sz="4400" dirty="0" err="1"/>
+              <a:t>Komunikacja</a:t>
+            </a:r>
+            <a:endParaRPr lang="en-GB" sz="4400" dirty="0"/>
+          </a:p>
+        </p:txBody>
+      </p:sp>
+      <p:sp>
+        <p:nvSpPr>
+          <p:cNvPr id="3" name="Podtytuł 2">
+            <a:extLst>
+              <a:ext uri="{FF2B5EF4-FFF2-40B4-BE49-F238E27FC236}">
+                <a16:creationId xmlns:a16="http://schemas.microsoft.com/office/drawing/2014/main" id="{A7A3892D-95C2-A54D-BEA6-2F856BA5151B}"/>
+              </a:ext>
+            </a:extLst>
+          </p:cNvPr>
+          <p:cNvSpPr>
+            <a:spLocks noGrp="1"/>
+          </p:cNvSpPr>
+          <p:nvPr>
+            <p:ph type="subTitle" idx="1"/>
+          </p:nvPr>
+        </p:nvSpPr>
+        <p:spPr>
+          <a:xfrm>
+            <a:off x="581194" y="2126926"/>
+            <a:ext cx="10993546" cy="590321"/>
+          </a:xfrm>
+        </p:spPr>
+        <p:txBody>
+          <a:bodyPr>
+            <a:noAutofit/>
+          </a:bodyPr>
+          <a:lstStyle/>
+          <a:p>
+            <a:pPr algn="ctr"/>
+            <a:r>
+              <a:rPr lang="en-GB" sz="3200" dirty="0" err="1"/>
+              <a:t>Czyli</a:t>
+            </a:r>
+            <a:r>
+              <a:rPr lang="en-GB" sz="3200" dirty="0"/>
+              <a:t> jak </a:t>
+            </a:r>
+            <a:r>
+              <a:rPr lang="en-GB" sz="3200" dirty="0" err="1"/>
+              <a:t>się</a:t>
+            </a:r>
+            <a:r>
+              <a:rPr lang="en-GB" sz="3200" dirty="0"/>
+              <a:t> </a:t>
+            </a:r>
+            <a:r>
+              <a:rPr lang="en-GB" sz="3200" dirty="0" err="1"/>
+              <a:t>dogadać</a:t>
+            </a:r>
+            <a:r>
+              <a:rPr lang="en-GB" sz="3200" dirty="0"/>
+              <a:t> I </a:t>
+            </a:r>
+            <a:r>
+              <a:rPr lang="en-GB" sz="3200" dirty="0" err="1"/>
+              <a:t>nie</a:t>
+            </a:r>
+            <a:r>
+              <a:rPr lang="en-GB" sz="3200" dirty="0"/>
+              <a:t> </a:t>
+            </a:r>
+            <a:r>
+              <a:rPr lang="en-GB" sz="3200" dirty="0" err="1"/>
+              <a:t>pozabijać</a:t>
+            </a:r>
+            <a:r>
+              <a:rPr lang="en-GB" sz="3200" dirty="0"/>
+              <a:t>…</a:t>
+            </a:r>
+          </a:p>
+        </p:txBody>
+      </p:sp>
+      <p:pic>
+        <p:nvPicPr>
+          <p:cNvPr id="1026" name="Picture 2" descr="GitHub: Where the world builds software · GitHub">
+            <a:extLst>
+              <a:ext uri="{FF2B5EF4-FFF2-40B4-BE49-F238E27FC236}">
+                <a16:creationId xmlns:a16="http://schemas.microsoft.com/office/drawing/2014/main" id="{5A327303-CED4-174E-9399-AA0349BE153B}"/>
+              </a:ext>
+            </a:extLst>
+          </p:cNvPr>
+          <p:cNvPicPr>
+            <a:picLocks noChangeAspect="1" noChangeArrowheads="1"/>
+          </p:cNvPicPr>
+          <p:nvPr/>
+        </p:nvPicPr>
+        <p:blipFill>
+          <a:blip r:embed="rId2">
+            <a:extLst>
+              <a:ext uri="{28A0092B-C50C-407E-A947-70E740481C1C}">
+                <a14:useLocalDpi xmlns:a14="http://schemas.microsoft.com/office/drawing/2010/main" val="0"/>
+              </a:ext>
+            </a:extLst>
+          </a:blip>
+          <a:srcRect/>
+          <a:stretch>
+            <a:fillRect/>
+          </a:stretch>
+        </p:blipFill>
+        <p:spPr bwMode="auto">
+          <a:xfrm>
+            <a:off x="1920433" y="3597718"/>
+            <a:ext cx="3937000" cy="2070100"/>
+          </a:xfrm>
+          <a:prstGeom prst="rect">
+            <a:avLst/>
+          </a:prstGeom>
+          <a:noFill/>
+          <a:extLst>
+            <a:ext uri="{909E8E84-426E-40DD-AFC4-6F175D3DCCD1}">
+              <a14:hiddenFill xmlns:a14="http://schemas.microsoft.com/office/drawing/2010/main">
+                <a:solidFill>
+                  <a:srgbClr val="FFFFFF"/>
+                </a:solidFill>
+              </a14:hiddenFill>
+            </a:ext>
+          </a:extLst>
+        </p:spPr>
+      </p:pic>
+      <p:pic>
+        <p:nvPicPr>
+          <p:cNvPr id="1028" name="Picture 4" descr="Discord: A guide for parents">
+            <a:extLst>
+              <a:ext uri="{FF2B5EF4-FFF2-40B4-BE49-F238E27FC236}">
+                <a16:creationId xmlns:a16="http://schemas.microsoft.com/office/drawing/2014/main" id="{9CA82D6B-DFB7-1A47-80EA-2A77F07B6CD0}"/>
+              </a:ext>
+            </a:extLst>
+          </p:cNvPr>
+          <p:cNvPicPr>
+            <a:picLocks noChangeAspect="1" noChangeArrowheads="1"/>
+          </p:cNvPicPr>
+          <p:nvPr/>
+        </p:nvPicPr>
+        <p:blipFill>
+          <a:blip r:embed="rId3">
+            <a:extLst>
+              <a:ext uri="{28A0092B-C50C-407E-A947-70E740481C1C}">
+                <a14:useLocalDpi xmlns:a14="http://schemas.microsoft.com/office/drawing/2010/main" val="0"/>
+              </a:ext>
+            </a:extLst>
+          </a:blip>
+          <a:srcRect/>
+          <a:stretch>
+            <a:fillRect/>
+          </a:stretch>
+        </p:blipFill>
+        <p:spPr bwMode="auto">
+          <a:xfrm>
+            <a:off x="7811946" y="3489768"/>
+            <a:ext cx="2286000" cy="2286000"/>
+          </a:xfrm>
+          <a:prstGeom prst="rect">
+            <a:avLst/>
+          </a:prstGeom>
+          <a:noFill/>
+          <a:extLst>
+            <a:ext uri="{909E8E84-426E-40DD-AFC4-6F175D3DCCD1}">
+              <a14:hiddenFill xmlns:a14="http://schemas.microsoft.com/office/drawing/2010/main">
+                <a:solidFill>
+                  <a:srgbClr val="FFFFFF"/>
+                </a:solidFill>
+              </a14:hiddenFill>
+            </a:ext>
+          </a:extLst>
+        </p:spPr>
+      </p:pic>
+    </p:spTree>
+    <p:extLst>
+      <p:ext uri="{BB962C8B-B14F-4D97-AF65-F5344CB8AC3E}">
+        <p14:creationId xmlns:p14="http://schemas.microsoft.com/office/powerpoint/2010/main" val="752552241"/>
+      </p:ext>
+    </p:extLst>
+  </p:cSld>
+  <p:clrMapOvr>
+    <a:masterClrMapping/>
+  </p:clrMapOvr>
+</p:sld>
+</file>
+
+<file path=ppt/slides/slide5.xml><?xml version="1.0" encoding="utf-8"?>
+<p:sld xmlns:a="http://schemas.openxmlformats.org/drawingml/2006/main" xmlns:r="http://schemas.openxmlformats.org/officeDocument/2006/relationships" xmlns:p="http://schemas.openxmlformats.org/presentationml/2006/main">
+  <p:cSld>
+    <p:bg>
+      <p:bgPr>
+        <a:solidFill>
+          <a:schemeClr val="bg1"/>
+        </a:solidFill>
+        <a:effectLst/>
+      </p:bgPr>
+    </p:bg>
+    <p:spTree>
+      <p:nvGrpSpPr>
+        <p:cNvPr id="1" name=""/>
+        <p:cNvGrpSpPr/>
+        <p:nvPr/>
+      </p:nvGrpSpPr>
+      <p:grpSpPr>
+        <a:xfrm>
+          <a:off x="0" y="0"/>
+          <a:ext cx="0" cy="0"/>
+          <a:chOff x="0" y="0"/>
+          <a:chExt cx="0" cy="0"/>
+        </a:xfrm>
+      </p:grpSpPr>
+      <p:sp useBgFill="1">
+        <p:nvSpPr>
+          <p:cNvPr id="10" name="Rectangle 9">
+            <a:extLst>
+              <a:ext uri="{FF2B5EF4-FFF2-40B4-BE49-F238E27FC236}">
+                <a16:creationId xmlns:a16="http://schemas.microsoft.com/office/drawing/2014/main" id="{26B4480E-B7FF-4481-890E-043A69AE6FE2}"/>
+              </a:ext>
+              <a:ext uri="{C183D7F6-B498-43B3-948B-1728B52AA6E4}">
+                <adec:decorative xmlns:adec="http://schemas.microsoft.com/office/drawing/2017/decorative" val="1"/>
+              </a:ext>
+            </a:extLst>
+          </p:cNvPr>
+          <p:cNvSpPr>
+            <a:spLocks noGrp="1" noRot="1" noChangeAspect="1" noMove="1" noResize="1" noEditPoints="1" noAdjustHandles="1" noChangeArrowheads="1" noChangeShapeType="1" noTextEdit="1"/>
+          </p:cNvSpPr>
+          <p:nvPr>
+            <p:extLst>
+              <p:ext uri="{386F3935-93C4-4BCD-93E2-E3B085C9AB24}">
+                <p16:designElem xmlns:p16="http://schemas.microsoft.com/office/powerpoint/2015/main" val="1"/>
+              </p:ext>
+            </p:extLst>
+          </p:nvPr>
+        </p:nvSpPr>
+        <p:spPr>
+          <a:xfrm>
+            <a:off x="0" y="0"/>
+            <a:ext cx="12192000" cy="6858000"/>
+          </a:xfrm>
+          <a:prstGeom prst="rect">
+            <a:avLst/>
+          </a:prstGeom>
+          <a:ln>
+            <a:noFill/>
+          </a:ln>
+        </p:spPr>
+        <p:style>
+          <a:lnRef idx="2">
+            <a:schemeClr val="accent1">
+              <a:shade val="50000"/>
+            </a:schemeClr>
+          </a:lnRef>
+          <a:fillRef idx="1">
+            <a:schemeClr val="accent1"/>
+          </a:fillRef>
+          <a:effectRef idx="0">
+            <a:schemeClr val="accent1"/>
+          </a:effectRef>
+          <a:fontRef idx="minor">
+            <a:schemeClr val="lt1"/>
+          </a:fontRef>
+        </p:style>
+        <p:txBody>
+          <a:bodyPr rtlCol="0" anchor="ctr"/>
+          <a:lstStyle/>
+          <a:p>
+            <a:pPr algn="ctr"/>
+            <a:endParaRPr lang="en-US"/>
+          </a:p>
+        </p:txBody>
+      </p:sp>
+      <p:grpSp>
+        <p:nvGrpSpPr>
+          <p:cNvPr id="12" name="Group 11">
+            <a:extLst>
+              <a:ext uri="{FF2B5EF4-FFF2-40B4-BE49-F238E27FC236}">
+                <a16:creationId xmlns:a16="http://schemas.microsoft.com/office/drawing/2014/main" id="{79394E1F-0B5F-497D-B2A6-8383A2A54834}"/>
+              </a:ext>
+              <a:ext uri="{C183D7F6-B498-43B3-948B-1728B52AA6E4}">
+                <adec:decorative xmlns:adec="http://schemas.microsoft.com/office/drawing/2017/decorative" val="1"/>
+              </a:ext>
+            </a:extLst>
+          </p:cNvPr>
+          <p:cNvGrpSpPr>
+            <a:grpSpLocks noGrp="1" noUngrp="1" noRot="1" noChangeAspect="1" noMove="1" noResize="1"/>
+          </p:cNvGrpSpPr>
+          <p:nvPr>
+            <p:extLst>
+              <p:ext uri="{386F3935-93C4-4BCD-93E2-E3B085C9AB24}">
+                <p16:designElem xmlns:p16="http://schemas.microsoft.com/office/powerpoint/2015/main" val="1"/>
+              </p:ext>
+            </p:extLst>
+          </p:nvPr>
+        </p:nvGrpSpPr>
+        <p:grpSpPr>
+          <a:xfrm>
+            <a:off x="438068" y="457200"/>
+            <a:ext cx="3703320" cy="5935133"/>
+            <a:chOff x="438068" y="457200"/>
+            <a:chExt cx="3703320" cy="5935133"/>
+          </a:xfrm>
+        </p:grpSpPr>
+        <p:sp>
+          <p:nvSpPr>
+            <p:cNvPr id="13" name="Rectangle 12">
+              <a:extLst>
+                <a:ext uri="{FF2B5EF4-FFF2-40B4-BE49-F238E27FC236}">
+                  <a16:creationId xmlns:a16="http://schemas.microsoft.com/office/drawing/2014/main" id="{1F1FF39A-AC3C-4066-9D4C-519AA22812EA}"/>
+                </a:ext>
+                <a:ext uri="{C183D7F6-B498-43B3-948B-1728B52AA6E4}">
+                  <adec:decorative xmlns:adec="http://schemas.microsoft.com/office/drawing/2017/decorative" val="1"/>
+                </a:ext>
+              </a:extLst>
+            </p:cNvPr>
+            <p:cNvSpPr/>
+            <p:nvPr>
+              <p:extLst>
+                <p:ext uri="{386F3935-93C4-4BCD-93E2-E3B085C9AB24}">
+                  <p16:designElem xmlns:p16="http://schemas.microsoft.com/office/powerpoint/2015/main" val="1"/>
+                </p:ext>
+              </p:extLst>
+            </p:nvPr>
+          </p:nvSpPr>
+          <p:spPr>
+            <a:xfrm>
+              <a:off x="438068" y="601201"/>
+              <a:ext cx="3702134" cy="5791132"/>
+            </a:xfrm>
+            <a:prstGeom prst="rect">
+              <a:avLst/>
+            </a:prstGeom>
+            <a:solidFill>
+              <a:srgbClr val="465359">
+                <a:alpha val="97000"/>
+              </a:srgbClr>
+            </a:solidFill>
+            <a:ln w="6350" cmpd="sng">
+              <a:noFill/>
+            </a:ln>
+            <a:effectLst/>
+          </p:spPr>
+          <p:style>
+            <a:lnRef idx="1">
+              <a:schemeClr val="accent1"/>
+            </a:lnRef>
+            <a:fillRef idx="3">
+              <a:schemeClr val="accent1"/>
+            </a:fillRef>
+            <a:effectRef idx="2">
+              <a:schemeClr val="accent1"/>
+            </a:effectRef>
+            <a:fontRef idx="minor">
+              <a:schemeClr val="lt1"/>
+            </a:fontRef>
+          </p:style>
+        </p:sp>
+        <p:sp>
+          <p:nvSpPr>
+            <p:cNvPr id="14" name="Rectangle 13">
+              <a:extLst>
+                <a:ext uri="{FF2B5EF4-FFF2-40B4-BE49-F238E27FC236}">
+                  <a16:creationId xmlns:a16="http://schemas.microsoft.com/office/drawing/2014/main" id="{64C13BAB-7C00-4D21-A857-E3D41C0A2A66}"/>
+                </a:ext>
+                <a:ext uri="{C183D7F6-B498-43B3-948B-1728B52AA6E4}">
+                  <adec:decorative xmlns:adec="http://schemas.microsoft.com/office/drawing/2017/decorative" val="1"/>
+                </a:ext>
+              </a:extLst>
+            </p:cNvPr>
+            <p:cNvSpPr/>
+            <p:nvPr>
+              <p:extLst>
+                <p:ext uri="{386F3935-93C4-4BCD-93E2-E3B085C9AB24}">
+                  <p16:designElem xmlns:p16="http://schemas.microsoft.com/office/powerpoint/2015/main" val="1"/>
+                </p:ext>
+              </p:extLst>
+            </p:nvPr>
+          </p:nvSpPr>
+          <p:spPr>
+            <a:xfrm>
+              <a:off x="438068" y="457200"/>
+              <a:ext cx="3703320" cy="94997"/>
+            </a:xfrm>
+            <a:prstGeom prst="rect">
+              <a:avLst/>
+            </a:prstGeom>
+            <a:solidFill>
+              <a:srgbClr val="465359"/>
+            </a:solidFill>
+            <a:ln>
+              <a:noFill/>
+            </a:ln>
+            <a:effectLst/>
+          </p:spPr>
+          <p:style>
+            <a:lnRef idx="1">
+              <a:schemeClr val="accent1"/>
+            </a:lnRef>
+            <a:fillRef idx="3">
+              <a:schemeClr val="accent1"/>
+            </a:fillRef>
+            <a:effectRef idx="2">
+              <a:schemeClr val="accent1"/>
+            </a:effectRef>
+            <a:fontRef idx="minor">
+              <a:schemeClr val="lt1"/>
+            </a:fontRef>
+          </p:style>
+        </p:sp>
+      </p:grpSp>
+      <p:sp>
+        <p:nvSpPr>
+          <p:cNvPr id="2" name="Tytuł 1">
+            <a:extLst>
+              <a:ext uri="{FF2B5EF4-FFF2-40B4-BE49-F238E27FC236}">
+                <a16:creationId xmlns:a16="http://schemas.microsoft.com/office/drawing/2014/main" id="{F03BA790-6D2B-3944-B828-CBDC0F42ED0C}"/>
+              </a:ext>
+            </a:extLst>
+          </p:cNvPr>
+          <p:cNvSpPr>
+            <a:spLocks noGrp="1"/>
+          </p:cNvSpPr>
+          <p:nvPr>
+            <p:ph type="ctrTitle"/>
+          </p:nvPr>
+        </p:nvSpPr>
+        <p:spPr>
+          <a:xfrm>
+            <a:off x="584200" y="1524001"/>
+            <a:ext cx="3412067" cy="3478384"/>
+          </a:xfrm>
+        </p:spPr>
+        <p:txBody>
+          <a:bodyPr vert="horz" lIns="91440" tIns="45720" rIns="91440" bIns="45720" rtlCol="0" anchor="ctr">
+            <a:normAutofit/>
+          </a:bodyPr>
+          <a:lstStyle/>
+          <a:p>
+            <a:r>
+              <a:rPr lang="en-GB" sz="3200" dirty="0" err="1">
+                <a:solidFill>
+                  <a:srgbClr val="FFFFFF"/>
+                </a:solidFill>
+              </a:rPr>
+              <a:t>Najtrudniejsze</a:t>
+            </a:r>
+            <a:r>
+              <a:rPr lang="en-GB" sz="3200" dirty="0">
+                <a:solidFill>
+                  <a:srgbClr val="FFFFFF"/>
+                </a:solidFill>
+              </a:rPr>
+              <a:t>?</a:t>
+            </a:r>
+          </a:p>
+        </p:txBody>
+      </p:sp>
+      <p:sp>
+        <p:nvSpPr>
+          <p:cNvPr id="3" name="Podtytuł 2">
+            <a:extLst>
+              <a:ext uri="{FF2B5EF4-FFF2-40B4-BE49-F238E27FC236}">
+                <a16:creationId xmlns:a16="http://schemas.microsoft.com/office/drawing/2014/main" id="{B06B3668-3979-D040-8106-AD813C772018}"/>
+              </a:ext>
+            </a:extLst>
+          </p:cNvPr>
+          <p:cNvSpPr>
+            <a:spLocks noGrp="1"/>
+          </p:cNvSpPr>
+          <p:nvPr>
+            <p:ph type="subTitle" idx="1"/>
+          </p:nvPr>
+        </p:nvSpPr>
+        <p:spPr>
+          <a:xfrm>
+            <a:off x="584200" y="5145513"/>
+            <a:ext cx="3412067" cy="738820"/>
+          </a:xfrm>
+        </p:spPr>
+        <p:txBody>
+          <a:bodyPr>
+            <a:normAutofit/>
+          </a:bodyPr>
+          <a:lstStyle/>
+          <a:p>
+            <a:r>
+              <a:rPr lang="en-GB" dirty="0" err="1">
+                <a:solidFill>
+                  <a:srgbClr val="FFFFFF"/>
+                </a:solidFill>
+              </a:rPr>
+              <a:t>Dopiero</a:t>
+            </a:r>
+            <a:r>
+              <a:rPr lang="en-GB" dirty="0">
+                <a:solidFill>
+                  <a:srgbClr val="FFFFFF"/>
+                </a:solidFill>
+              </a:rPr>
+              <a:t> </a:t>
+            </a:r>
+            <a:r>
+              <a:rPr lang="en-GB" dirty="0" err="1">
+                <a:solidFill>
+                  <a:srgbClr val="FFFFFF"/>
+                </a:solidFill>
+              </a:rPr>
+              <a:t>przed</a:t>
+            </a:r>
+            <a:r>
+              <a:rPr lang="en-GB" dirty="0">
+                <a:solidFill>
+                  <a:srgbClr val="FFFFFF"/>
+                </a:solidFill>
+              </a:rPr>
+              <a:t> </a:t>
+            </a:r>
+            <a:r>
+              <a:rPr lang="en-GB" dirty="0" err="1">
+                <a:solidFill>
+                  <a:srgbClr val="FFFFFF"/>
+                </a:solidFill>
+              </a:rPr>
+              <a:t>nami</a:t>
+            </a:r>
+            <a:r>
+              <a:rPr lang="en-GB" dirty="0">
+                <a:solidFill>
+                  <a:srgbClr val="FFFFFF"/>
+                </a:solidFill>
+              </a:rPr>
+              <a:t>...</a:t>
+            </a:r>
+          </a:p>
+        </p:txBody>
+      </p:sp>
+      <p:pic>
+        <p:nvPicPr>
+          <p:cNvPr id="5" name="Obraz 5" descr="Obraz zawierający tekst&#10;&#10;Opis wygenerowany automatycznie">
+            <a:extLst>
+              <a:ext uri="{FF2B5EF4-FFF2-40B4-BE49-F238E27FC236}">
+                <a16:creationId xmlns:a16="http://schemas.microsoft.com/office/drawing/2014/main" id="{2C5AF293-5628-40F0-8284-5025CFFAF6AA}"/>
+              </a:ext>
+            </a:extLst>
+          </p:cNvPr>
+          <p:cNvPicPr>
+            <a:picLocks noChangeAspect="1"/>
+          </p:cNvPicPr>
+          <p:nvPr/>
+        </p:nvPicPr>
+        <p:blipFill>
+          <a:blip r:embed="rId2"/>
+          <a:stretch>
+            <a:fillRect/>
+          </a:stretch>
+        </p:blipFill>
+        <p:spPr>
+          <a:xfrm>
+            <a:off x="4765053" y="1193196"/>
+            <a:ext cx="6764864" cy="4447898"/>
+          </a:xfrm>
+          <a:prstGeom prst="rect">
+            <a:avLst/>
+          </a:prstGeom>
+        </p:spPr>
+      </p:pic>
+    </p:spTree>
+    <p:extLst>
+      <p:ext uri="{BB962C8B-B14F-4D97-AF65-F5344CB8AC3E}">
+        <p14:creationId xmlns:p14="http://schemas.microsoft.com/office/powerpoint/2010/main" val="4234136263"/>
+      </p:ext>
+    </p:extLst>
+  </p:cSld>
+  <p:clrMapOvr>
+    <a:masterClrMapping/>
+  </p:clrMapOvr>
+</p:sld>
+</file>
+
+<file path=ppt/slides/slide6.xml><?xml version="1.0" encoding="utf-8"?>
+<p:sld xmlns:a="http://schemas.openxmlformats.org/drawingml/2006/main" xmlns:r="http://schemas.openxmlformats.org/officeDocument/2006/relationships" xmlns:p="http://schemas.openxmlformats.org/presentationml/2006/main">
+  <p:cSld>
+    <p:bg>
+      <p:bgPr>
+        <a:solidFill>
+          <a:schemeClr val="bg1"/>
+        </a:solidFill>
+        <a:effectLst/>
+      </p:bgPr>
+    </p:bg>
+    <p:spTree>
+      <p:nvGrpSpPr>
+        <p:cNvPr id="1" name=""/>
+        <p:cNvGrpSpPr/>
+        <p:nvPr/>
+      </p:nvGrpSpPr>
+      <p:grpSpPr>
+        <a:xfrm>
+          <a:off x="0" y="0"/>
+          <a:ext cx="0" cy="0"/>
+          <a:chOff x="0" y="0"/>
+          <a:chExt cx="0" cy="0"/>
+        </a:xfrm>
+      </p:grpSpPr>
+      <p:sp useBgFill="1">
+        <p:nvSpPr>
+          <p:cNvPr id="18" name="Rectangle 17">
+            <a:extLst>
+              <a:ext uri="{FF2B5EF4-FFF2-40B4-BE49-F238E27FC236}">
+                <a16:creationId xmlns:a16="http://schemas.microsoft.com/office/drawing/2014/main" id="{26B4480E-B7FF-4481-890E-043A69AE6FE2}"/>
+              </a:ext>
+              <a:ext uri="{C183D7F6-B498-43B3-948B-1728B52AA6E4}">
+                <adec:decorative xmlns:adec="http://schemas.microsoft.com/office/drawing/2017/decorative" val="1"/>
+              </a:ext>
+            </a:extLst>
+          </p:cNvPr>
+          <p:cNvSpPr>
+            <a:spLocks noGrp="1" noRot="1" noChangeAspect="1" noMove="1" noResize="1" noEditPoints="1" noAdjustHandles="1" noChangeArrowheads="1" noChangeShapeType="1" noTextEdit="1"/>
+          </p:cNvSpPr>
+          <p:nvPr>
+            <p:extLst>
+              <p:ext uri="{386F3935-93C4-4BCD-93E2-E3B085C9AB24}">
+                <p16:designElem xmlns:p16="http://schemas.microsoft.com/office/powerpoint/2015/main" val="1"/>
+              </p:ext>
+            </p:extLst>
+          </p:nvPr>
+        </p:nvSpPr>
+        <p:spPr>
+          <a:xfrm>
+            <a:off x="0" y="0"/>
+            <a:ext cx="12192000" cy="6858000"/>
+          </a:xfrm>
+          <a:prstGeom prst="rect">
+            <a:avLst/>
+          </a:prstGeom>
+          <a:ln>
+            <a:noFill/>
+          </a:ln>
+        </p:spPr>
+        <p:style>
+          <a:lnRef idx="2">
+            <a:schemeClr val="accent1">
+              <a:shade val="50000"/>
+            </a:schemeClr>
+          </a:lnRef>
+          <a:fillRef idx="1">
+            <a:schemeClr val="accent1"/>
+          </a:fillRef>
+          <a:effectRef idx="0">
+            <a:schemeClr val="accent1"/>
+          </a:effectRef>
+          <a:fontRef idx="minor">
+            <a:schemeClr val="lt1"/>
+          </a:fontRef>
+        </p:style>
+        <p:txBody>
+          <a:bodyPr rtlCol="0" anchor="ctr"/>
+          <a:lstStyle/>
+          <a:p>
+            <a:pPr algn="ctr"/>
+            <a:endParaRPr lang="en-US"/>
+          </a:p>
+        </p:txBody>
+      </p:sp>
+      <p:grpSp>
+        <p:nvGrpSpPr>
+          <p:cNvPr id="20" name="Group 19">
+            <a:extLst>
+              <a:ext uri="{FF2B5EF4-FFF2-40B4-BE49-F238E27FC236}">
+                <a16:creationId xmlns:a16="http://schemas.microsoft.com/office/drawing/2014/main" id="{79394E1F-0B5F-497D-B2A6-8383A2A54834}"/>
+              </a:ext>
+              <a:ext uri="{C183D7F6-B498-43B3-948B-1728B52AA6E4}">
+                <adec:decorative xmlns:adec="http://schemas.microsoft.com/office/drawing/2017/decorative" val="1"/>
+              </a:ext>
+            </a:extLst>
+          </p:cNvPr>
+          <p:cNvGrpSpPr>
+            <a:grpSpLocks noGrp="1" noUngrp="1" noRot="1" noChangeAspect="1" noMove="1" noResize="1"/>
+          </p:cNvGrpSpPr>
+          <p:nvPr>
+            <p:extLst>
+              <p:ext uri="{386F3935-93C4-4BCD-93E2-E3B085C9AB24}">
+                <p16:designElem xmlns:p16="http://schemas.microsoft.com/office/powerpoint/2015/main" val="1"/>
+              </p:ext>
+            </p:extLst>
+          </p:nvPr>
+        </p:nvGrpSpPr>
+        <p:grpSpPr>
+          <a:xfrm>
+            <a:off x="438068" y="457200"/>
+            <a:ext cx="3703320" cy="5935133"/>
+            <a:chOff x="438068" y="457200"/>
+            <a:chExt cx="3703320" cy="5935133"/>
+          </a:xfrm>
+        </p:grpSpPr>
+        <p:sp>
+          <p:nvSpPr>
+            <p:cNvPr id="21" name="Rectangle 20">
+              <a:extLst>
+                <a:ext uri="{FF2B5EF4-FFF2-40B4-BE49-F238E27FC236}">
+                  <a16:creationId xmlns:a16="http://schemas.microsoft.com/office/drawing/2014/main" id="{1F1FF39A-AC3C-4066-9D4C-519AA22812EA}"/>
+                </a:ext>
+                <a:ext uri="{C183D7F6-B498-43B3-948B-1728B52AA6E4}">
+                  <adec:decorative xmlns:adec="http://schemas.microsoft.com/office/drawing/2017/decorative" val="1"/>
+                </a:ext>
+              </a:extLst>
+            </p:cNvPr>
+            <p:cNvSpPr/>
+            <p:nvPr>
+              <p:extLst>
+                <p:ext uri="{386F3935-93C4-4BCD-93E2-E3B085C9AB24}">
+                  <p16:designElem xmlns:p16="http://schemas.microsoft.com/office/powerpoint/2015/main" val="1"/>
+                </p:ext>
+              </p:extLst>
+            </p:nvPr>
+          </p:nvSpPr>
+          <p:spPr>
+            <a:xfrm>
+              <a:off x="438068" y="601201"/>
+              <a:ext cx="3702134" cy="5791132"/>
+            </a:xfrm>
+            <a:prstGeom prst="rect">
+              <a:avLst/>
+            </a:prstGeom>
+            <a:solidFill>
+              <a:srgbClr val="465359">
+                <a:alpha val="97000"/>
+              </a:srgbClr>
+            </a:solidFill>
+            <a:ln w="6350" cmpd="sng">
+              <a:noFill/>
+            </a:ln>
+            <a:effectLst/>
+          </p:spPr>
+          <p:style>
+            <a:lnRef idx="1">
+              <a:schemeClr val="accent1"/>
+            </a:lnRef>
+            <a:fillRef idx="3">
+              <a:schemeClr val="accent1"/>
+            </a:fillRef>
+            <a:effectRef idx="2">
+              <a:schemeClr val="accent1"/>
+            </a:effectRef>
+            <a:fontRef idx="minor">
+              <a:schemeClr val="lt1"/>
+            </a:fontRef>
+          </p:style>
+        </p:sp>
+        <p:sp>
+          <p:nvSpPr>
+            <p:cNvPr id="22" name="Rectangle 21">
+              <a:extLst>
+                <a:ext uri="{FF2B5EF4-FFF2-40B4-BE49-F238E27FC236}">
+                  <a16:creationId xmlns:a16="http://schemas.microsoft.com/office/drawing/2014/main" id="{64C13BAB-7C00-4D21-A857-E3D41C0A2A66}"/>
+                </a:ext>
+                <a:ext uri="{C183D7F6-B498-43B3-948B-1728B52AA6E4}">
+                  <adec:decorative xmlns:adec="http://schemas.microsoft.com/office/drawing/2017/decorative" val="1"/>
+                </a:ext>
+              </a:extLst>
+            </p:cNvPr>
+            <p:cNvSpPr/>
+            <p:nvPr>
+              <p:extLst>
+                <p:ext uri="{386F3935-93C4-4BCD-93E2-E3B085C9AB24}">
+                  <p16:designElem xmlns:p16="http://schemas.microsoft.com/office/powerpoint/2015/main" val="1"/>
+                </p:ext>
+              </p:extLst>
+            </p:nvPr>
+          </p:nvSpPr>
+          <p:spPr>
+            <a:xfrm>
+              <a:off x="438068" y="457200"/>
+              <a:ext cx="3703320" cy="94997"/>
+            </a:xfrm>
+            <a:prstGeom prst="rect">
+              <a:avLst/>
+            </a:prstGeom>
+            <a:solidFill>
+              <a:srgbClr val="465359"/>
+            </a:solidFill>
+            <a:ln>
+              <a:noFill/>
+            </a:ln>
+            <a:effectLst/>
+          </p:spPr>
+          <p:style>
+            <a:lnRef idx="1">
+              <a:schemeClr val="accent1"/>
+            </a:lnRef>
+            <a:fillRef idx="3">
+              <a:schemeClr val="accent1"/>
+            </a:fillRef>
+            <a:effectRef idx="2">
+              <a:schemeClr val="accent1"/>
+            </a:effectRef>
+            <a:fontRef idx="minor">
+              <a:schemeClr val="lt1"/>
+            </a:fontRef>
+          </p:style>
+        </p:sp>
+      </p:grpSp>
+      <p:sp>
+        <p:nvSpPr>
+          <p:cNvPr id="2" name="Tytuł 1">
+            <a:extLst>
+              <a:ext uri="{FF2B5EF4-FFF2-40B4-BE49-F238E27FC236}">
+                <a16:creationId xmlns:a16="http://schemas.microsoft.com/office/drawing/2014/main" id="{972A2810-EF3E-42BB-91A7-471284095EA5}"/>
+              </a:ext>
+            </a:extLst>
+          </p:cNvPr>
+          <p:cNvSpPr>
+            <a:spLocks noGrp="1"/>
+          </p:cNvSpPr>
+          <p:nvPr>
+            <p:ph type="ctrTitle"/>
+          </p:nvPr>
+        </p:nvSpPr>
+        <p:spPr>
+          <a:xfrm>
+            <a:off x="584200" y="1524001"/>
+            <a:ext cx="3412067" cy="3478384"/>
+          </a:xfrm>
+        </p:spPr>
+        <p:txBody>
+          <a:bodyPr vert="horz" lIns="91440" tIns="45720" rIns="91440" bIns="45720" rtlCol="0" anchor="ctr">
+            <a:normAutofit/>
+          </a:bodyPr>
+          <a:lstStyle/>
+          <a:p>
+            <a:r>
+              <a:rPr lang="pl-PL" dirty="0">
+                <a:solidFill>
+                  <a:srgbClr val="FFFFFF"/>
+                </a:solidFill>
+              </a:rPr>
+              <a:t>Gra z komputerem </a:t>
+            </a:r>
+          </a:p>
+        </p:txBody>
+      </p:sp>
+      <p:sp>
+        <p:nvSpPr>
+          <p:cNvPr id="3" name="Podtytuł 2">
+            <a:extLst>
+              <a:ext uri="{FF2B5EF4-FFF2-40B4-BE49-F238E27FC236}">
+                <a16:creationId xmlns:a16="http://schemas.microsoft.com/office/drawing/2014/main" id="{46A6090B-6DD8-4142-8436-29DF4A534BA5}"/>
+              </a:ext>
+            </a:extLst>
+          </p:cNvPr>
+          <p:cNvSpPr>
+            <a:spLocks noGrp="1"/>
+          </p:cNvSpPr>
+          <p:nvPr>
+            <p:ph type="subTitle" idx="1"/>
+          </p:nvPr>
+        </p:nvSpPr>
+        <p:spPr>
+          <a:xfrm>
+            <a:off x="584200" y="5145513"/>
+            <a:ext cx="3412067" cy="738820"/>
+          </a:xfrm>
+        </p:spPr>
+        <p:txBody>
+          <a:bodyPr>
+            <a:normAutofit fontScale="92500" lnSpcReduction="20000"/>
+          </a:bodyPr>
+          <a:lstStyle/>
+          <a:p>
+            <a:r>
+              <a:rPr lang="pl-PL" dirty="0">
+                <a:solidFill>
+                  <a:srgbClr val="FFFFFF"/>
+                </a:solidFill>
+              </a:rPr>
+              <a:t>Losowanie ruchów, a może by tak dążyć do blokowania użytkownika ...</a:t>
+            </a:r>
+            <a:endParaRPr lang="pl-PL" dirty="0">
+              <a:solidFill>
+                <a:srgbClr val="FFFFFF">
+                  <a:alpha val="75000"/>
+                </a:srgbClr>
+              </a:solidFill>
+            </a:endParaRPr>
+          </a:p>
+        </p:txBody>
+      </p:sp>
+      <p:pic>
+        <p:nvPicPr>
+          <p:cNvPr id="5" name="Obraz 5" descr="Obraz zawierający tekst&#10;&#10;Opis wygenerowany automatycznie">
+            <a:extLst>
+              <a:ext uri="{FF2B5EF4-FFF2-40B4-BE49-F238E27FC236}">
+                <a16:creationId xmlns:a16="http://schemas.microsoft.com/office/drawing/2014/main" id="{CCEC1285-60D9-45B9-9FD2-D1E8DCFEC255}"/>
+              </a:ext>
+            </a:extLst>
+          </p:cNvPr>
+          <p:cNvPicPr>
+            <a:picLocks noChangeAspect="1"/>
+          </p:cNvPicPr>
+          <p:nvPr/>
+        </p:nvPicPr>
+        <p:blipFill>
+          <a:blip r:embed="rId2"/>
+          <a:stretch>
+            <a:fillRect/>
+          </a:stretch>
+        </p:blipFill>
+        <p:spPr>
+          <a:xfrm>
+            <a:off x="4765053" y="1911963"/>
+            <a:ext cx="6764864" cy="3010364"/>
+          </a:xfrm>
+          <a:prstGeom prst="rect">
+            <a:avLst/>
+          </a:prstGeom>
+        </p:spPr>
+      </p:pic>
+    </p:spTree>
+    <p:extLst>
+      <p:ext uri="{BB962C8B-B14F-4D97-AF65-F5344CB8AC3E}">
+        <p14:creationId xmlns:p14="http://schemas.microsoft.com/office/powerpoint/2010/main" val="127575334"/>
+      </p:ext>
+    </p:extLst>
+  </p:cSld>
+  <p:clrMapOvr>
+    <a:masterClrMapping/>
+  </p:clrMapOvr>
+</p:sld>
+</file>
+
+<file path=ppt/slides/slide7.xml><?xml version="1.0" encoding="utf-8"?>
+<p:sld xmlns:a="http://schemas.openxmlformats.org/drawingml/2006/main" xmlns:r="http://schemas.openxmlformats.org/officeDocument/2006/relationships" xmlns:p="http://schemas.openxmlformats.org/presentationml/2006/main">
+  <p:cSld>
+    <p:bg>
+      <p:bgPr>
+        <a:solidFill>
+          <a:schemeClr val="bg1"/>
+        </a:solidFill>
+        <a:effectLst/>
+      </p:bgPr>
+    </p:bg>
+    <p:spTree>
+      <p:nvGrpSpPr>
+        <p:cNvPr id="1" name=""/>
+        <p:cNvGrpSpPr/>
+        <p:nvPr/>
+      </p:nvGrpSpPr>
+      <p:grpSpPr>
+        <a:xfrm>
+          <a:off x="0" y="0"/>
+          <a:ext cx="0" cy="0"/>
+          <a:chOff x="0" y="0"/>
+          <a:chExt cx="0" cy="0"/>
+        </a:xfrm>
+      </p:grpSpPr>
+      <p:sp useBgFill="1">
+        <p:nvSpPr>
+          <p:cNvPr id="28" name="Rectangle 27">
+            <a:extLst>
+              <a:ext uri="{FF2B5EF4-FFF2-40B4-BE49-F238E27FC236}">
+                <a16:creationId xmlns:a16="http://schemas.microsoft.com/office/drawing/2014/main" id="{26B4480E-B7FF-4481-890E-043A69AE6FE2}"/>
+              </a:ext>
+              <a:ext uri="{C183D7F6-B498-43B3-948B-1728B52AA6E4}">
+                <adec:decorative xmlns:adec="http://schemas.microsoft.com/office/drawing/2017/decorative" val="1"/>
+              </a:ext>
+            </a:extLst>
+          </p:cNvPr>
+          <p:cNvSpPr>
+            <a:spLocks noGrp="1" noRot="1" noChangeAspect="1" noMove="1" noResize="1" noEditPoints="1" noAdjustHandles="1" noChangeArrowheads="1" noChangeShapeType="1" noTextEdit="1"/>
+          </p:cNvSpPr>
+          <p:nvPr>
+            <p:extLst>
+              <p:ext uri="{386F3935-93C4-4BCD-93E2-E3B085C9AB24}">
+                <p16:designElem xmlns:p16="http://schemas.microsoft.com/office/powerpoint/2015/main" val="1"/>
+              </p:ext>
+            </p:extLst>
+          </p:nvPr>
+        </p:nvSpPr>
+        <p:spPr>
+          <a:xfrm>
+            <a:off x="0" y="0"/>
+            <a:ext cx="12192000" cy="6858000"/>
+          </a:xfrm>
+          <a:prstGeom prst="rect">
+            <a:avLst/>
+          </a:prstGeom>
+          <a:ln>
+            <a:noFill/>
+          </a:ln>
+        </p:spPr>
+        <p:style>
+          <a:lnRef idx="2">
+            <a:schemeClr val="accent1">
+              <a:shade val="50000"/>
+            </a:schemeClr>
+          </a:lnRef>
+          <a:fillRef idx="1">
+            <a:schemeClr val="accent1"/>
+          </a:fillRef>
+          <a:effectRef idx="0">
+            <a:schemeClr val="accent1"/>
+          </a:effectRef>
+          <a:fontRef idx="minor">
+            <a:schemeClr val="lt1"/>
+          </a:fontRef>
+        </p:style>
+        <p:txBody>
+          <a:bodyPr rtlCol="0" anchor="ctr"/>
+          <a:lstStyle/>
+          <a:p>
+            <a:pPr algn="ctr"/>
+            <a:endParaRPr lang="en-US"/>
+          </a:p>
+        </p:txBody>
+      </p:sp>
+      <p:sp>
+        <p:nvSpPr>
+          <p:cNvPr id="30" name="Rectangle 29">
+            <a:extLst>
+              <a:ext uri="{FF2B5EF4-FFF2-40B4-BE49-F238E27FC236}">
+                <a16:creationId xmlns:a16="http://schemas.microsoft.com/office/drawing/2014/main" id="{8C2840C6-6494-4E12-A428-2012DA7DDF8A}"/>
+              </a:ext>
+              <a:ext uri="{C183D7F6-B498-43B3-948B-1728B52AA6E4}">
+                <adec:decorative xmlns:adec="http://schemas.microsoft.com/office/drawing/2017/decorative" val="1"/>
+              </a:ext>
+            </a:extLst>
+          </p:cNvPr>
+          <p:cNvSpPr>
+            <a:spLocks noGrp="1" noRot="1" noChangeAspect="1" noMove="1" noResize="1" noEditPoints="1" noAdjustHandles="1" noChangeArrowheads="1" noChangeShapeType="1" noTextEdit="1"/>
+          </p:cNvSpPr>
+          <p:nvPr>
+            <p:extLst>
+              <p:ext uri="{386F3935-93C4-4BCD-93E2-E3B085C9AB24}">
+                <p16:designElem xmlns:p16="http://schemas.microsoft.com/office/powerpoint/2015/main" val="1"/>
+              </p:ext>
+            </p:extLst>
+          </p:nvPr>
+        </p:nvSpPr>
+        <p:spPr>
+          <a:xfrm>
+            <a:off x="514059" y="457200"/>
+            <a:ext cx="5010912" cy="91440"/>
+          </a:xfrm>
+          <a:prstGeom prst="rect">
+            <a:avLst/>
+          </a:prstGeom>
+          <a:solidFill>
+            <a:srgbClr val="465359"/>
+          </a:solidFill>
+          <a:ln>
+            <a:noFill/>
+          </a:ln>
+          <a:effectLst/>
+        </p:spPr>
+        <p:style>
+          <a:lnRef idx="1">
+            <a:schemeClr val="accent1"/>
+          </a:lnRef>
+          <a:fillRef idx="3">
+            <a:schemeClr val="accent1"/>
+          </a:fillRef>
+          <a:effectRef idx="2">
+            <a:schemeClr val="accent1"/>
+          </a:effectRef>
+          <a:fontRef idx="minor">
+            <a:schemeClr val="lt1"/>
+          </a:fontRef>
+        </p:style>
+      </p:sp>
+      <p:sp>
+        <p:nvSpPr>
+          <p:cNvPr id="32" name="Rectangle 31">
+            <a:extLst>
+              <a:ext uri="{FF2B5EF4-FFF2-40B4-BE49-F238E27FC236}">
+                <a16:creationId xmlns:a16="http://schemas.microsoft.com/office/drawing/2014/main" id="{8CF5084D-B617-4011-8406-A93B64723187}"/>
+              </a:ext>
+              <a:ext uri="{C183D7F6-B498-43B3-948B-1728B52AA6E4}">
+                <adec:decorative xmlns:adec="http://schemas.microsoft.com/office/drawing/2017/decorative" val="1"/>
+              </a:ext>
+            </a:extLst>
+          </p:cNvPr>
+          <p:cNvSpPr>
+            <a:spLocks noGrp="1" noRot="1" noChangeAspect="1" noMove="1" noResize="1" noEditPoints="1" noAdjustHandles="1" noChangeArrowheads="1" noChangeShapeType="1" noTextEdit="1"/>
+          </p:cNvSpPr>
+          <p:nvPr>
+            <p:extLst>
+              <p:ext uri="{386F3935-93C4-4BCD-93E2-E3B085C9AB24}">
+                <p16:designElem xmlns:p16="http://schemas.microsoft.com/office/powerpoint/2015/main" val="1"/>
+              </p:ext>
+            </p:extLst>
+          </p:nvPr>
+        </p:nvSpPr>
+        <p:spPr>
+          <a:xfrm>
+            <a:off x="515583" y="608797"/>
+            <a:ext cx="5009388" cy="5781768"/>
+          </a:xfrm>
+          <a:prstGeom prst="rect">
+            <a:avLst/>
+          </a:prstGeom>
+          <a:solidFill>
+            <a:srgbClr val="465359"/>
+          </a:solidFill>
+          <a:ln>
+            <a:noFill/>
+          </a:ln>
+          <a:effectLst/>
+        </p:spPr>
+        <p:style>
+          <a:lnRef idx="1">
+            <a:schemeClr val="accent1"/>
+          </a:lnRef>
+          <a:fillRef idx="3">
+            <a:schemeClr val="accent1"/>
+          </a:fillRef>
+          <a:effectRef idx="2">
+            <a:schemeClr val="accent1"/>
+          </a:effectRef>
+          <a:fontRef idx="minor">
+            <a:schemeClr val="lt1"/>
+          </a:fontRef>
+        </p:style>
+      </p:sp>
+      <p:sp>
+        <p:nvSpPr>
+          <p:cNvPr id="2" name="Tytuł 1">
+            <a:extLst>
+              <a:ext uri="{FF2B5EF4-FFF2-40B4-BE49-F238E27FC236}">
+                <a16:creationId xmlns:a16="http://schemas.microsoft.com/office/drawing/2014/main" id="{E1959717-FA50-4EFD-9BF2-3D747CC4F165}"/>
+              </a:ext>
+            </a:extLst>
+          </p:cNvPr>
+          <p:cNvSpPr>
+            <a:spLocks noGrp="1"/>
+          </p:cNvSpPr>
+          <p:nvPr>
+            <p:ph type="ctrTitle"/>
+          </p:nvPr>
+        </p:nvSpPr>
+        <p:spPr>
+          <a:xfrm>
+            <a:off x="781872" y="1204126"/>
+            <a:ext cx="4476811" cy="3358833"/>
+          </a:xfrm>
+        </p:spPr>
+        <p:txBody>
+          <a:bodyPr vert="horz" lIns="91440" tIns="45720" rIns="91440" bIns="45720" rtlCol="0" anchor="ctr">
+            <a:normAutofit/>
+          </a:bodyPr>
+          <a:lstStyle/>
+          <a:p>
+            <a:r>
+              <a:rPr lang="pl-PL" sz="4000" dirty="0">
+                <a:solidFill>
+                  <a:srgbClr val="FFFFFF"/>
+                </a:solidFill>
+              </a:rPr>
+              <a:t>Gra z komputerem</a:t>
+            </a:r>
+          </a:p>
+        </p:txBody>
+      </p:sp>
+      <p:sp>
+        <p:nvSpPr>
+          <p:cNvPr id="3" name="Podtytuł 2">
+            <a:extLst>
+              <a:ext uri="{FF2B5EF4-FFF2-40B4-BE49-F238E27FC236}">
+                <a16:creationId xmlns:a16="http://schemas.microsoft.com/office/drawing/2014/main" id="{B1B7BEE4-431F-40FA-9244-0EACEBF8A2B7}"/>
+              </a:ext>
+            </a:extLst>
+          </p:cNvPr>
+          <p:cNvSpPr>
+            <a:spLocks noGrp="1"/>
+          </p:cNvSpPr>
+          <p:nvPr>
+            <p:ph type="subTitle" idx="1"/>
+          </p:nvPr>
+        </p:nvSpPr>
+        <p:spPr>
+          <a:xfrm>
+            <a:off x="781872" y="4659086"/>
+            <a:ext cx="4476811" cy="1225247"/>
+          </a:xfrm>
+        </p:spPr>
+        <p:txBody>
+          <a:bodyPr>
+            <a:normAutofit/>
+          </a:bodyPr>
+          <a:lstStyle/>
+          <a:p>
+            <a:r>
+              <a:rPr lang="pl-PL" dirty="0">
+                <a:solidFill>
+                  <a:srgbClr val="FFFFFF"/>
+                </a:solidFill>
+              </a:rPr>
+              <a:t>Blokowanie mi nie wystarcza...</a:t>
+            </a:r>
+            <a:endParaRPr lang="pl-PL" dirty="0">
+              <a:solidFill>
+                <a:srgbClr val="7DA9B1"/>
+              </a:solidFill>
+            </a:endParaRPr>
+          </a:p>
+          <a:p>
+            <a:r>
+              <a:rPr lang="pl-PL" dirty="0">
+                <a:solidFill>
+                  <a:srgbClr val="FFFFFF"/>
+                </a:solidFill>
+              </a:rPr>
+              <a:t>Chcę też móc wygrywać!</a:t>
+            </a:r>
+          </a:p>
+        </p:txBody>
+      </p:sp>
+      <p:pic>
+        <p:nvPicPr>
+          <p:cNvPr id="5" name="Obraz 5" descr="Obraz zawierający tekst&#10;&#10;Opis wygenerowany automatycznie">
+            <a:extLst>
+              <a:ext uri="{FF2B5EF4-FFF2-40B4-BE49-F238E27FC236}">
+                <a16:creationId xmlns:a16="http://schemas.microsoft.com/office/drawing/2014/main" id="{1A2CFDFB-412D-4180-B7AA-3FFE160AD6F7}"/>
+              </a:ext>
+            </a:extLst>
+          </p:cNvPr>
+          <p:cNvPicPr>
+            <a:picLocks noChangeAspect="1"/>
+          </p:cNvPicPr>
+          <p:nvPr/>
+        </p:nvPicPr>
+        <p:blipFill>
+          <a:blip r:embed="rId2"/>
+          <a:stretch>
+            <a:fillRect/>
+          </a:stretch>
+        </p:blipFill>
+        <p:spPr>
+          <a:xfrm>
+            <a:off x="6095999" y="647231"/>
+            <a:ext cx="5433917" cy="5704899"/>
+          </a:xfrm>
+          <a:prstGeom prst="rect">
+            <a:avLst/>
+          </a:prstGeom>
+        </p:spPr>
+      </p:pic>
+    </p:spTree>
+    <p:extLst>
+      <p:ext uri="{BB962C8B-B14F-4D97-AF65-F5344CB8AC3E}">
+        <p14:creationId xmlns:p14="http://schemas.microsoft.com/office/powerpoint/2010/main" val="1386917934"/>
+      </p:ext>
+    </p:extLst>
+  </p:cSld>
+  <p:clrMapOvr>
+    <a:masterClrMapping/>
+  </p:clrMapOvr>
+</p:sld>
+</file>
+
+<file path=ppt/slides/slide8.xml><?xml version="1.0" encoding="utf-8"?>
+<p:sld xmlns:a="http://schemas.openxmlformats.org/drawingml/2006/main" xmlns:r="http://schemas.openxmlformats.org/officeDocument/2006/relationships" xmlns:p="http://schemas.openxmlformats.org/presentationml/2006/main">
+  <p:cSld>
+    <p:spTree>
+      <p:nvGrpSpPr>
+        <p:cNvPr id="1" name=""/>
+        <p:cNvGrpSpPr/>
+        <p:nvPr/>
+      </p:nvGrpSpPr>
+      <p:grpSpPr>
+        <a:xfrm>
+          <a:off x="0" y="0"/>
+          <a:ext cx="0" cy="0"/>
+          <a:chOff x="0" y="0"/>
+          <a:chExt cx="0" cy="0"/>
+        </a:xfrm>
+      </p:grpSpPr>
+      <p:sp>
+        <p:nvSpPr>
+          <p:cNvPr id="2" name="Tytuł 1">
+            <a:extLst>
+              <a:ext uri="{FF2B5EF4-FFF2-40B4-BE49-F238E27FC236}">
+                <a16:creationId xmlns:a16="http://schemas.microsoft.com/office/drawing/2014/main" id="{0893EE95-F9FE-4498-A148-DB53D068E670}"/>
+              </a:ext>
+            </a:extLst>
+          </p:cNvPr>
+          <p:cNvSpPr>
+            <a:spLocks noGrp="1"/>
+          </p:cNvSpPr>
+          <p:nvPr>
+            <p:ph type="ctrTitle"/>
+          </p:nvPr>
+        </p:nvSpPr>
+        <p:spPr/>
+        <p:txBody>
+          <a:bodyPr/>
+          <a:lstStyle/>
+          <a:p>
+            <a:r>
+              <a:rPr lang="pl-PL" dirty="0"/>
+              <a:t>Podsumowanie</a:t>
+            </a:r>
+          </a:p>
+        </p:txBody>
+      </p:sp>
+      <p:sp>
+        <p:nvSpPr>
+          <p:cNvPr id="3" name="Podtytuł 2">
+            <a:extLst>
+              <a:ext uri="{FF2B5EF4-FFF2-40B4-BE49-F238E27FC236}">
+                <a16:creationId xmlns:a16="http://schemas.microsoft.com/office/drawing/2014/main" id="{F96563CD-6C42-4411-A54A-61BF053B1CAD}"/>
+              </a:ext>
+            </a:extLst>
+          </p:cNvPr>
+          <p:cNvSpPr>
+            <a:spLocks noGrp="1"/>
+          </p:cNvSpPr>
+          <p:nvPr>
+            <p:ph type="subTitle" idx="1"/>
+          </p:nvPr>
+        </p:nvSpPr>
+        <p:spPr>
+          <a:xfrm>
+            <a:off x="553316" y="3712786"/>
+            <a:ext cx="10993546" cy="2235125"/>
+          </a:xfrm>
+        </p:spPr>
+        <p:txBody>
+          <a:bodyPr>
+            <a:normAutofit/>
+          </a:bodyPr>
+          <a:lstStyle/>
+          <a:p>
+            <a:pPr marL="285750" indent="-285750">
+              <a:buFont typeface="Arial" panose="05020102010507070707" pitchFamily="18" charset="2"/>
+              <a:buChar char="•"/>
+            </a:pPr>
+            <a:r>
+              <a:rPr lang="pl-PL" dirty="0">
+                <a:solidFill>
+                  <a:schemeClr val="bg1"/>
+                </a:solidFill>
+              </a:rPr>
+              <a:t>Udało się </a:t>
+            </a:r>
+            <a:r>
+              <a:rPr lang="pl-PL" dirty="0" err="1">
+                <a:solidFill>
+                  <a:schemeClr val="bg1"/>
+                </a:solidFill>
+              </a:rPr>
+              <a:t>zaimplemetnować</a:t>
+            </a:r>
+            <a:r>
+              <a:rPr lang="pl-PL" dirty="0">
+                <a:solidFill>
+                  <a:schemeClr val="bg1"/>
+                </a:solidFill>
+              </a:rPr>
+              <a:t> więcej niż zakładaliśmy na początku</a:t>
+            </a:r>
+          </a:p>
+          <a:p>
+            <a:pPr marL="285750" indent="-285750">
+              <a:buFont typeface="Arial" panose="05020102010507070707" pitchFamily="18" charset="2"/>
+              <a:buChar char="•"/>
+            </a:pPr>
+            <a:r>
+              <a:rPr lang="pl-PL" dirty="0">
+                <a:solidFill>
+                  <a:schemeClr val="bg1"/>
+                </a:solidFill>
+              </a:rPr>
+              <a:t>Dodaliśmy funkcjonalność od siebie (Losowanie kolejności grania w trybie gracz – komputer)</a:t>
+            </a:r>
+          </a:p>
+          <a:p>
+            <a:pPr marL="285750" indent="-285750">
+              <a:buFont typeface="Arial" panose="05020102010507070707" pitchFamily="18" charset="2"/>
+              <a:buChar char="•"/>
+            </a:pPr>
+            <a:r>
+              <a:rPr lang="pl-PL" dirty="0">
+                <a:solidFill>
+                  <a:schemeClr val="bg1"/>
+                </a:solidFill>
+              </a:rPr>
+              <a:t>Dwa różne podejścia do rozwiązania podobnych problemów </a:t>
+            </a:r>
+          </a:p>
+          <a:p>
+            <a:pPr marL="285750" indent="-285750">
+              <a:buFont typeface="Arial" panose="05020102010507070707" pitchFamily="18" charset="2"/>
+              <a:buChar char="•"/>
+            </a:pPr>
+            <a:r>
+              <a:rPr lang="pl-PL" dirty="0">
+                <a:solidFill>
+                  <a:schemeClr val="bg1"/>
+                </a:solidFill>
+              </a:rPr>
+              <a:t>Starczyło nam nawet czasu na kwestie graficzne </a:t>
+            </a:r>
+            <a:r>
+              <a:rPr lang="pl-PL" dirty="0">
+                <a:solidFill>
+                  <a:schemeClr val="bg1"/>
+                </a:solidFill>
+                <a:sym typeface="Wingdings" pitchFamily="2" charset="2"/>
+              </a:rPr>
+              <a:t></a:t>
+            </a:r>
+            <a:endParaRPr lang="pl-PL" dirty="0">
+              <a:solidFill>
+                <a:schemeClr val="bg1"/>
+              </a:solidFill>
+            </a:endParaRPr>
+          </a:p>
+          <a:p>
+            <a:pPr marL="285750" indent="-285750">
+              <a:buFont typeface="Arial" panose="05020102010507070707" pitchFamily="18" charset="2"/>
+              <a:buChar char="•"/>
+            </a:pPr>
+            <a:endParaRPr lang="pl-PL" dirty="0">
+              <a:solidFill>
+                <a:schemeClr val="bg1"/>
+              </a:solidFill>
+            </a:endParaRPr>
+          </a:p>
+        </p:txBody>
+      </p:sp>
+    </p:spTree>
+    <p:extLst>
+      <p:ext uri="{BB962C8B-B14F-4D97-AF65-F5344CB8AC3E}">
+        <p14:creationId xmlns:p14="http://schemas.microsoft.com/office/powerpoint/2010/main" val="2627833200"/>
+      </p:ext>
+    </p:extLst>
+  </p:cSld>
+  <p:clrMapOvr>
+    <a:masterClrMapping/>
+  </p:clrMapOvr>
+</p:sld>
+</file>
+
+<file path=ppt/slides/slide9.xml><?xml version="1.0" encoding="utf-8"?>
+<p:sld xmlns:a="http://schemas.openxmlformats.org/drawingml/2006/main" xmlns:r="http://schemas.openxmlformats.org/officeDocument/2006/relationships" xmlns:p="http://schemas.openxmlformats.org/presentationml/2006/main">
+  <p:cSld>
+    <p:bg>
+      <p:bgPr>
+        <a:solidFill>
+          <a:schemeClr val="bg2"/>
+        </a:solidFill>
+        <a:effectLst/>
+      </p:bgPr>
+    </p:bg>
+    <p:spTree>
+      <p:nvGrpSpPr>
+        <p:cNvPr id="1" name=""/>
+        <p:cNvGrpSpPr/>
+        <p:nvPr/>
+      </p:nvGrpSpPr>
+      <p:grpSpPr>
+        <a:xfrm>
+          <a:off x="0" y="0"/>
+          <a:ext cx="0" cy="0"/>
+          <a:chOff x="0" y="0"/>
+          <a:chExt cx="0" cy="0"/>
+        </a:xfrm>
+      </p:grpSpPr>
+      <p:sp>
+        <p:nvSpPr>
+          <p:cNvPr id="14" name="Rectangle 14">
+            <a:extLst>
+              <a:ext uri="{FF2B5EF4-FFF2-40B4-BE49-F238E27FC236}">
+                <a16:creationId xmlns:a16="http://schemas.microsoft.com/office/drawing/2014/main" id="{8E019540-1104-4B12-9F83-45F58674186F}"/>
+              </a:ext>
+              <a:ext uri="{C183D7F6-B498-43B3-948B-1728B52AA6E4}">
+                <adec:decorative xmlns:adec="http://schemas.microsoft.com/office/drawing/2017/decorative" val="1"/>
+              </a:ext>
+            </a:extLst>
+          </p:cNvPr>
+          <p:cNvSpPr>
+            <a:spLocks noGrp="1" noRot="1" noChangeAspect="1" noMove="1" noResize="1" noEditPoints="1" noAdjustHandles="1" noChangeArrowheads="1" noChangeShapeType="1" noTextEdit="1"/>
+          </p:cNvSpPr>
+          <p:nvPr>
+            <p:extLst>
+              <p:ext uri="{386F3935-93C4-4BCD-93E2-E3B085C9AB24}">
+                <p16:designElem xmlns:p16="http://schemas.microsoft.com/office/powerpoint/2015/main" val="1"/>
+              </p:ext>
+            </p:extLst>
+          </p:nvPr>
+        </p:nvSpPr>
+        <p:spPr>
+          <a:xfrm>
+            <a:off x="0" y="0"/>
+            <a:ext cx="12192000" cy="6858000"/>
+          </a:xfrm>
+          <a:prstGeom prst="rect">
+            <a:avLst/>
+          </a:prstGeom>
+          <a:solidFill>
+            <a:srgbClr val="3C474C"/>
+          </a:solidFill>
+          <a:ln>
+            <a:noFill/>
+          </a:ln>
+        </p:spPr>
+        <p:style>
+          <a:lnRef idx="2">
+            <a:schemeClr val="accent1">
+              <a:shade val="50000"/>
+            </a:schemeClr>
+          </a:lnRef>
+          <a:fillRef idx="1">
+            <a:schemeClr val="accent1"/>
+          </a:fillRef>
+          <a:effectRef idx="0">
+            <a:schemeClr val="accent1"/>
+          </a:effectRef>
+          <a:fontRef idx="minor">
+            <a:schemeClr val="lt1"/>
+          </a:fontRef>
+        </p:style>
+        <p:txBody>
+          <a:bodyPr rtlCol="0" anchor="ctr"/>
+          <a:lstStyle/>
+          <a:p>
+            <a:pPr algn="ctr"/>
+            <a:endParaRPr lang="en-US"/>
+          </a:p>
+        </p:txBody>
+      </p:sp>
+      <p:sp>
+        <p:nvSpPr>
+          <p:cNvPr id="2" name="Tytuł 1">
+            <a:extLst>
+              <a:ext uri="{FF2B5EF4-FFF2-40B4-BE49-F238E27FC236}">
+                <a16:creationId xmlns:a16="http://schemas.microsoft.com/office/drawing/2014/main" id="{9A2AA783-5CA4-4A23-B066-731C84502BA0}"/>
+              </a:ext>
+            </a:extLst>
+          </p:cNvPr>
+          <p:cNvSpPr>
+            <a:spLocks noGrp="1"/>
+          </p:cNvSpPr>
+          <p:nvPr>
+            <p:ph type="ctrTitle"/>
+          </p:nvPr>
+        </p:nvSpPr>
+        <p:spPr>
+          <a:xfrm>
+            <a:off x="1099722" y="1066800"/>
+            <a:ext cx="5727760" cy="4724400"/>
+          </a:xfrm>
+        </p:spPr>
+        <p:txBody>
+          <a:bodyPr anchor="ctr">
+            <a:normAutofit fontScale="90000"/>
+          </a:bodyPr>
+          <a:lstStyle/>
+          <a:p>
+            <a:pPr algn="ctr"/>
+            <a:r>
+              <a:rPr lang="pl-PL" sz="6600" dirty="0" err="1">
+                <a:solidFill>
+                  <a:srgbClr val="FFFF00"/>
+                </a:solidFill>
+              </a:rPr>
+              <a:t>Print</a:t>
+            </a:r>
+            <a:r>
+              <a:rPr lang="pl-PL" sz="6600" dirty="0">
+                <a:solidFill>
+                  <a:schemeClr val="tx1"/>
+                </a:solidFill>
+              </a:rPr>
+              <a:t>(</a:t>
+            </a:r>
+            <a:r>
+              <a:rPr lang="pl-PL" sz="6600" dirty="0">
+                <a:solidFill>
+                  <a:srgbClr val="C04B00"/>
+                </a:solidFill>
+              </a:rPr>
+              <a:t>”””</a:t>
+            </a:r>
+            <a:br>
+              <a:rPr lang="pl-PL" sz="6600" dirty="0">
+                <a:solidFill>
+                  <a:srgbClr val="C04B00"/>
+                </a:solidFill>
+              </a:rPr>
+            </a:br>
+            <a:r>
+              <a:rPr lang="pl-PL" sz="6600" dirty="0">
+                <a:solidFill>
+                  <a:srgbClr val="C04B00"/>
+                </a:solidFill>
+              </a:rPr>
+              <a:t>Dziękujemy </a:t>
+            </a:r>
+            <a:br>
+              <a:rPr lang="pl-PL" sz="6600" dirty="0">
+                <a:solidFill>
+                  <a:srgbClr val="C04B00"/>
+                </a:solidFill>
+              </a:rPr>
+            </a:br>
+            <a:r>
+              <a:rPr lang="pl-PL" sz="6600" dirty="0">
+                <a:solidFill>
+                  <a:srgbClr val="C04B00"/>
+                </a:solidFill>
+              </a:rPr>
+              <a:t>za </a:t>
+            </a:r>
+            <a:br>
+              <a:rPr lang="pl-PL" sz="6600" dirty="0">
+                <a:solidFill>
+                  <a:srgbClr val="C04B00"/>
+                </a:solidFill>
+              </a:rPr>
+            </a:br>
+            <a:r>
+              <a:rPr lang="pl-PL" sz="6600" dirty="0">
+                <a:solidFill>
+                  <a:srgbClr val="C04B00"/>
+                </a:solidFill>
+              </a:rPr>
+              <a:t>uwagę</a:t>
+            </a:r>
+            <a:br>
+              <a:rPr lang="pl-PL" sz="6600" dirty="0">
+                <a:solidFill>
+                  <a:srgbClr val="C04B00"/>
+                </a:solidFill>
+              </a:rPr>
+            </a:br>
+            <a:r>
+              <a:rPr lang="pl-PL" sz="6600" dirty="0">
+                <a:solidFill>
+                  <a:srgbClr val="C04B00"/>
+                </a:solidFill>
+              </a:rPr>
+              <a:t>”””</a:t>
+            </a:r>
+            <a:r>
+              <a:rPr lang="pl-PL" sz="6600" dirty="0">
+                <a:solidFill>
+                  <a:srgbClr val="FFFFFF"/>
+                </a:solidFill>
+              </a:rPr>
+              <a:t>) </a:t>
+            </a:r>
+            <a:endParaRPr lang="pl-PL" dirty="0">
+              <a:solidFill>
+                <a:srgbClr val="FFFFFF"/>
+              </a:solidFill>
+            </a:endParaRPr>
+          </a:p>
+        </p:txBody>
+      </p:sp>
+      <p:sp>
+        <p:nvSpPr>
+          <p:cNvPr id="16" name="Rectangle 16">
+            <a:extLst>
+              <a:ext uri="{FF2B5EF4-FFF2-40B4-BE49-F238E27FC236}">
+                <a16:creationId xmlns:a16="http://schemas.microsoft.com/office/drawing/2014/main" id="{3580CFD6-E44A-486A-9E73-D8D948F78A34}"/>
+              </a:ext>
+              <a:ext uri="{C183D7F6-B498-43B3-948B-1728B52AA6E4}">
+                <adec:decorative xmlns:adec="http://schemas.microsoft.com/office/drawing/2017/decorative" val="1"/>
+              </a:ext>
+            </a:extLst>
+          </p:cNvPr>
+          <p:cNvSpPr>
+            <a:spLocks noGrp="1" noRot="1" noChangeAspect="1" noMove="1" noResize="1" noEditPoints="1" noAdjustHandles="1" noChangeArrowheads="1" noChangeShapeType="1" noTextEdit="1"/>
+          </p:cNvSpPr>
+          <p:nvPr>
+            <p:extLst>
+              <p:ext uri="{386F3935-93C4-4BCD-93E2-E3B085C9AB24}">
+                <p16:designElem xmlns:p16="http://schemas.microsoft.com/office/powerpoint/2015/main" val="1"/>
+              </p:ext>
+            </p:extLst>
+          </p:nvPr>
+        </p:nvSpPr>
+        <p:spPr>
+          <a:xfrm rot="16200000">
+            <a:off x="5171433" y="3396996"/>
+            <a:ext cx="3703320" cy="64008"/>
+          </a:xfrm>
+          <a:prstGeom prst="rect">
+            <a:avLst/>
+          </a:prstGeom>
+          <a:solidFill>
+            <a:schemeClr val="accent1"/>
+          </a:solidFill>
+          <a:ln>
+            <a:noFill/>
+          </a:ln>
+          <a:effectLst/>
+        </p:spPr>
+        <p:style>
+          <a:lnRef idx="1">
+            <a:schemeClr val="accent1"/>
+          </a:lnRef>
+          <a:fillRef idx="3">
+            <a:schemeClr val="accent1"/>
+          </a:fillRef>
+          <a:effectRef idx="2">
+            <a:schemeClr val="accent1"/>
+          </a:effectRef>
+          <a:fontRef idx="minor">
+            <a:schemeClr val="lt1"/>
+          </a:fontRef>
+        </p:style>
+      </p:sp>
+    </p:spTree>
+    <p:extLst>
+      <p:ext uri="{BB962C8B-B14F-4D97-AF65-F5344CB8AC3E}">
+        <p14:creationId xmlns:p14="http://schemas.microsoft.com/office/powerpoint/2010/main" val="3249574859"/>
+      </p:ext>
+    </p:extLst>
+  </p:cSld>
+  <p:clrMapOvr>
+    <a:overrideClrMapping bg1="dk1" tx1="lt1" bg2="dk2" tx2="lt2" accent1="accent1" accent2="accent2" accent3="accent3" accent4="accent4" accent5="accent5" accent6="accent6" hlink="hlink" folHlink="folHlink"/>
   </p:clrMapOvr>
 </p:sld>
 </file>

--- a/TicTacToe.pptx
+++ b/TicTacToe.pptx
@@ -123,7 +123,7 @@
 <file path=ppt/revisionInfo.xml><?xml version="1.0" encoding="utf-8"?>
 <p1510:revInfo xmlns:a="http://schemas.openxmlformats.org/drawingml/2006/main" xmlns:r="http://schemas.openxmlformats.org/officeDocument/2006/relationships" xmlns:p1510="http://schemas.microsoft.com/office/powerpoint/2015/10/main">
   <p1510:revLst>
-    <p1510:client id="{0666559A-E6C0-004D-B1F4-A89D2561F001}" v="114" dt="2020-11-03T12:11:25.638"/>
+    <p1510:client id="{0666559A-E6C0-004D-B1F4-A89D2561F001}" v="115" dt="2020-11-03T23:30:08.668"/>
     <p1510:client id="{7EC88506-5735-47E4-B32C-1B94B328E889}" v="189" dt="2020-11-03T09:30:20.218"/>
     <p1510:client id="{B57C15AA-0BC2-4D8C-9DB6-8222A14E4091}" v="879" dt="2020-11-03T10:45:11.232"/>
   </p1510:revLst>
@@ -221,7 +221,7 @@
   <pc:docChgLst>
     <pc:chgData name="Kamil Trąba" userId="4547bd4dd1ae952a" providerId="LiveId" clId="{0666559A-E6C0-004D-B1F4-A89D2561F001}"/>
     <pc:docChg chg="undo custSel mod addSld delSld modSld addMainMaster delMainMaster">
-      <pc:chgData name="Kamil Trąba" userId="4547bd4dd1ae952a" providerId="LiveId" clId="{0666559A-E6C0-004D-B1F4-A89D2561F001}" dt="2020-11-03T12:15:01.531" v="990" actId="207"/>
+      <pc:chgData name="Kamil Trąba" userId="4547bd4dd1ae952a" providerId="LiveId" clId="{0666559A-E6C0-004D-B1F4-A89D2561F001}" dt="2020-11-03T23:30:08.666" v="993" actId="1076"/>
       <pc:docMkLst>
         <pc:docMk/>
       </pc:docMkLst>
@@ -531,7 +531,7 @@
         </pc:spChg>
       </pc:sldChg>
       <pc:sldChg chg="addSp modSp new mod">
-        <pc:chgData name="Kamil Trąba" userId="4547bd4dd1ae952a" providerId="LiveId" clId="{0666559A-E6C0-004D-B1F4-A89D2561F001}" dt="2020-11-03T12:11:25.637" v="951" actId="1076"/>
+        <pc:chgData name="Kamil Trąba" userId="4547bd4dd1ae952a" providerId="LiveId" clId="{0666559A-E6C0-004D-B1F4-A89D2561F001}" dt="2020-11-03T23:30:08.666" v="993" actId="1076"/>
         <pc:sldMkLst>
           <pc:docMk/>
           <pc:sldMk cId="716085031" sldId="264"/>
@@ -553,7 +553,7 @@
           </ac:spMkLst>
         </pc:spChg>
         <pc:spChg chg="add mod">
-          <ac:chgData name="Kamil Trąba" userId="4547bd4dd1ae952a" providerId="LiveId" clId="{0666559A-E6C0-004D-B1F4-A89D2561F001}" dt="2020-11-03T12:09:34.158" v="944" actId="1076"/>
+          <ac:chgData name="Kamil Trąba" userId="4547bd4dd1ae952a" providerId="LiveId" clId="{0666559A-E6C0-004D-B1F4-A89D2561F001}" dt="2020-11-03T23:29:53.381" v="992" actId="20577"/>
           <ac:spMkLst>
             <pc:docMk/>
             <pc:sldMk cId="716085031" sldId="264"/>
@@ -561,7 +561,7 @@
           </ac:spMkLst>
         </pc:spChg>
         <pc:picChg chg="add mod">
-          <ac:chgData name="Kamil Trąba" userId="4547bd4dd1ae952a" providerId="LiveId" clId="{0666559A-E6C0-004D-B1F4-A89D2561F001}" dt="2020-11-03T12:11:25.637" v="951" actId="1076"/>
+          <ac:chgData name="Kamil Trąba" userId="4547bd4dd1ae952a" providerId="LiveId" clId="{0666559A-E6C0-004D-B1F4-A89D2561F001}" dt="2020-11-03T23:30:08.666" v="993" actId="1076"/>
           <ac:picMkLst>
             <pc:docMk/>
             <pc:sldMk cId="716085031" sldId="264"/>
@@ -1676,7 +1676,7 @@
           <a:p>
             <a:fld id="{ED291B17-9318-49DB-B28B-6E5994AE9581}" type="datetime1">
               <a:rPr lang="en-US" smtClean="0"/>
-              <a:t>11/3/20</a:t>
+              <a:t>11/4/20</a:t>
             </a:fld>
             <a:endParaRPr lang="en-US" dirty="0"/>
           </a:p>
@@ -1879,7 +1879,7 @@
           <a:p>
             <a:fld id="{2CED4963-E985-44C4-B8C4-FDD613B7C2F8}" type="datetime1">
               <a:rPr lang="en-US" smtClean="0"/>
-              <a:t>11/3/20</a:t>
+              <a:t>11/4/20</a:t>
             </a:fld>
             <a:endParaRPr lang="en-US" dirty="0"/>
           </a:p>
@@ -2241,7 +2241,7 @@
           <a:p>
             <a:fld id="{ED291B17-9318-49DB-B28B-6E5994AE9581}" type="datetime1">
               <a:rPr lang="en-US" smtClean="0"/>
-              <a:t>11/3/20</a:t>
+              <a:t>11/4/20</a:t>
             </a:fld>
             <a:endParaRPr lang="en-US" dirty="0"/>
           </a:p>
@@ -2439,7 +2439,7 @@
           <a:p>
             <a:fld id="{78DD82B9-B8EE-4375-B6FF-88FA6ABB15D9}" type="datetime1">
               <a:rPr lang="en-US" smtClean="0"/>
-              <a:t>11/3/20</a:t>
+              <a:t>11/4/20</a:t>
             </a:fld>
             <a:endParaRPr lang="en-US" dirty="0"/>
           </a:p>
@@ -2751,7 +2751,7 @@
           <a:p>
             <a:fld id="{B2497495-0637-405E-AE64-5CC7506D51F5}" type="datetime1">
               <a:rPr lang="en-US" smtClean="0"/>
-              <a:t>11/3/20</a:t>
+              <a:t>11/4/20</a:t>
             </a:fld>
             <a:endParaRPr lang="en-US" dirty="0"/>
           </a:p>
@@ -3004,7 +3004,7 @@
           <a:p>
             <a:fld id="{7BFFD690-9426-415D-8B65-26881E07B2D4}" type="datetime1">
               <a:rPr lang="en-US" smtClean="0"/>
-              <a:t>11/3/20</a:t>
+              <a:t>11/4/20</a:t>
             </a:fld>
             <a:endParaRPr lang="en-US" dirty="0"/>
           </a:p>
@@ -3426,7 +3426,7 @@
           <a:p>
             <a:fld id="{04C4989A-474C-40DE-95B9-011C28B71673}" type="datetime1">
               <a:rPr lang="en-US" smtClean="0"/>
-              <a:t>11/3/20</a:t>
+              <a:t>11/4/20</a:t>
             </a:fld>
             <a:endParaRPr lang="en-US" dirty="0"/>
           </a:p>
@@ -3549,7 +3549,7 @@
           <a:p>
             <a:fld id="{5DB4ED54-5B5E-4A04-93D3-5772E3CE3818}" type="datetime1">
               <a:rPr lang="en-US" smtClean="0"/>
-              <a:t>11/3/20</a:t>
+              <a:t>11/4/20</a:t>
             </a:fld>
             <a:endParaRPr lang="en-US" dirty="0"/>
           </a:p>
@@ -3644,7 +3644,7 @@
           <a:p>
             <a:fld id="{4EDE50D6-574B-40AF-946F-D52A04ADE379}" type="datetime1">
               <a:rPr lang="en-US" smtClean="0"/>
-              <a:t>11/3/20</a:t>
+              <a:t>11/4/20</a:t>
             </a:fld>
             <a:endParaRPr lang="en-US" dirty="0"/>
           </a:p>
@@ -4021,7 +4021,7 @@
           <a:p>
             <a:fld id="{D82884F1-FFEA-405F-9602-3DCA865EDA4E}" type="datetime1">
               <a:rPr lang="en-US" smtClean="0"/>
-              <a:t>11/3/20</a:t>
+              <a:t>11/4/20</a:t>
             </a:fld>
             <a:endParaRPr lang="en-US" dirty="0"/>
           </a:p>
@@ -4314,7 +4314,7 @@
           <a:p>
             <a:fld id="{7E18DB4A-8810-4A10-AD5C-D5E2C667F5B3}" type="datetime1">
               <a:rPr lang="en-US" smtClean="0"/>
-              <a:t>11/3/20</a:t>
+              <a:t>11/4/20</a:t>
             </a:fld>
             <a:endParaRPr lang="en-US" dirty="0"/>
           </a:p>
@@ -4529,7 +4529,7 @@
           <a:p>
             <a:fld id="{ED291B17-9318-49DB-B28B-6E5994AE9581}" type="datetime1">
               <a:rPr lang="en-US" smtClean="0"/>
-              <a:t>11/3/20</a:t>
+              <a:t>11/4/20</a:t>
             </a:fld>
             <a:endParaRPr lang="en-US" dirty="0"/>
           </a:p>
@@ -5965,7 +5965,7 @@
                   <a:schemeClr val="bg1"/>
                 </a:solidFill>
               </a:rPr>
-              <a:t>268</a:t>
+              <a:t>281</a:t>
             </a:r>
           </a:p>
           <a:p>
@@ -6037,7 +6037,7 @@
         </p:blipFill>
         <p:spPr bwMode="auto">
           <a:xfrm>
-            <a:off x="7500551" y="3550775"/>
+            <a:off x="8269174" y="3550775"/>
             <a:ext cx="3305563" cy="2203708"/>
           </a:xfrm>
           <a:prstGeom prst="rect">

--- a/TicTacToe.pptx
+++ b/TicTacToe.pptx
@@ -221,7 +221,7 @@
   <pc:docChgLst>
     <pc:chgData name="Kamil Trąba" userId="4547bd4dd1ae952a" providerId="LiveId" clId="{0666559A-E6C0-004D-B1F4-A89D2561F001}"/>
     <pc:docChg chg="undo custSel mod addSld delSld modSld addMainMaster delMainMaster">
-      <pc:chgData name="Kamil Trąba" userId="4547bd4dd1ae952a" providerId="LiveId" clId="{0666559A-E6C0-004D-B1F4-A89D2561F001}" dt="2020-11-03T23:30:08.666" v="993" actId="1076"/>
+      <pc:chgData name="Kamil Trąba" userId="4547bd4dd1ae952a" providerId="LiveId" clId="{0666559A-E6C0-004D-B1F4-A89D2561F001}" dt="2020-11-03T23:37:26.124" v="995" actId="20577"/>
       <pc:docMkLst>
         <pc:docMk/>
       </pc:docMkLst>
@@ -531,7 +531,7 @@
         </pc:spChg>
       </pc:sldChg>
       <pc:sldChg chg="addSp modSp new mod">
-        <pc:chgData name="Kamil Trąba" userId="4547bd4dd1ae952a" providerId="LiveId" clId="{0666559A-E6C0-004D-B1F4-A89D2561F001}" dt="2020-11-03T23:30:08.666" v="993" actId="1076"/>
+        <pc:chgData name="Kamil Trąba" userId="4547bd4dd1ae952a" providerId="LiveId" clId="{0666559A-E6C0-004D-B1F4-A89D2561F001}" dt="2020-11-03T23:37:26.124" v="995" actId="20577"/>
         <pc:sldMkLst>
           <pc:docMk/>
           <pc:sldMk cId="716085031" sldId="264"/>
@@ -553,7 +553,7 @@
           </ac:spMkLst>
         </pc:spChg>
         <pc:spChg chg="add mod">
-          <ac:chgData name="Kamil Trąba" userId="4547bd4dd1ae952a" providerId="LiveId" clId="{0666559A-E6C0-004D-B1F4-A89D2561F001}" dt="2020-11-03T23:29:53.381" v="992" actId="20577"/>
+          <ac:chgData name="Kamil Trąba" userId="4547bd4dd1ae952a" providerId="LiveId" clId="{0666559A-E6C0-004D-B1F4-A89D2561F001}" dt="2020-11-03T23:37:26.124" v="995" actId="20577"/>
           <ac:spMkLst>
             <pc:docMk/>
             <pc:sldMk cId="716085031" sldId="264"/>
@@ -5957,16 +5957,29 @@
                   <a:schemeClr val="bg1"/>
                 </a:solidFill>
               </a:rPr>
-              <a:t>Końcowa liczba linijek kodu: 	</a:t>
-            </a:r>
-            <a:r>
-              <a:rPr lang="pl-PL" sz="2800" b="1" dirty="0">
+              <a:t>Końcowa liczba linijek kodu: </a:t>
+            </a:r>
+            <a:r>
+              <a:rPr lang="pl-PL" sz="2800">
                 <a:solidFill>
                   <a:schemeClr val="bg1"/>
                 </a:solidFill>
               </a:rPr>
-              <a:t>281</a:t>
-            </a:r>
+              <a:t>	</a:t>
+            </a:r>
+            <a:r>
+              <a:rPr lang="pl-PL" sz="2800" b="1">
+                <a:solidFill>
+                  <a:schemeClr val="bg1"/>
+                </a:solidFill>
+              </a:rPr>
+              <a:t>280</a:t>
+            </a:r>
+            <a:endParaRPr lang="pl-PL" sz="2800" b="1" dirty="0">
+              <a:solidFill>
+                <a:schemeClr val="bg1"/>
+              </a:solidFill>
+            </a:endParaRPr>
           </a:p>
           <a:p>
             <a:endParaRPr lang="pl-PL" sz="2800" dirty="0">

--- a/TicTacToe.pptx
+++ b/TicTacToe.pptx
@@ -124,8 +124,6 @@
 <p1510:revInfo xmlns:a="http://schemas.openxmlformats.org/drawingml/2006/main" xmlns:r="http://schemas.openxmlformats.org/officeDocument/2006/relationships" xmlns:p1510="http://schemas.microsoft.com/office/powerpoint/2015/10/main">
   <p1510:revLst>
     <p1510:client id="{0666559A-E6C0-004D-B1F4-A89D2561F001}" v="115" dt="2020-11-03T23:30:08.668"/>
-    <p1510:client id="{7EC88506-5735-47E4-B32C-1B94B328E889}" v="189" dt="2020-11-03T09:30:20.218"/>
-    <p1510:client id="{B57C15AA-0BC2-4D8C-9DB6-8222A14E4091}" v="879" dt="2020-11-03T10:45:11.232"/>
   </p1510:revLst>
 </p1510:revInfo>
 </file>
@@ -221,7 +219,7 @@
   <pc:docChgLst>
     <pc:chgData name="Kamil Trąba" userId="4547bd4dd1ae952a" providerId="LiveId" clId="{0666559A-E6C0-004D-B1F4-A89D2561F001}"/>
     <pc:docChg chg="undo custSel mod addSld delSld modSld addMainMaster delMainMaster">
-      <pc:chgData name="Kamil Trąba" userId="4547bd4dd1ae952a" providerId="LiveId" clId="{0666559A-E6C0-004D-B1F4-A89D2561F001}" dt="2020-11-03T23:37:26.124" v="995" actId="20577"/>
+      <pc:chgData name="Kamil Trąba" userId="4547bd4dd1ae952a" providerId="LiveId" clId="{0666559A-E6C0-004D-B1F4-A89D2561F001}" dt="2020-11-05T21:09:53.970" v="998" actId="20577"/>
       <pc:docMkLst>
         <pc:docMk/>
       </pc:docMkLst>
@@ -516,13 +514,13 @@
         </pc:spChg>
       </pc:sldChg>
       <pc:sldChg chg="modSp mod">
-        <pc:chgData name="Kamil Trąba" userId="4547bd4dd1ae952a" providerId="LiveId" clId="{0666559A-E6C0-004D-B1F4-A89D2561F001}" dt="2020-11-03T12:15:01.531" v="990" actId="207"/>
+        <pc:chgData name="Kamil Trąba" userId="4547bd4dd1ae952a" providerId="LiveId" clId="{0666559A-E6C0-004D-B1F4-A89D2561F001}" dt="2020-11-05T21:09:53.970" v="998" actId="20577"/>
         <pc:sldMkLst>
           <pc:docMk/>
           <pc:sldMk cId="3249574859" sldId="263"/>
         </pc:sldMkLst>
         <pc:spChg chg="mod">
-          <ac:chgData name="Kamil Trąba" userId="4547bd4dd1ae952a" providerId="LiveId" clId="{0666559A-E6C0-004D-B1F4-A89D2561F001}" dt="2020-11-03T12:15:01.531" v="990" actId="207"/>
+          <ac:chgData name="Kamil Trąba" userId="4547bd4dd1ae952a" providerId="LiveId" clId="{0666559A-E6C0-004D-B1F4-A89D2561F001}" dt="2020-11-05T21:09:53.970" v="998" actId="20577"/>
           <ac:spMkLst>
             <pc:docMk/>
             <pc:sldMk cId="3249574859" sldId="263"/>
@@ -1676,7 +1674,7 @@
           <a:p>
             <a:fld id="{ED291B17-9318-49DB-B28B-6E5994AE9581}" type="datetime1">
               <a:rPr lang="en-US" smtClean="0"/>
-              <a:t>11/4/20</a:t>
+              <a:t>11/5/20</a:t>
             </a:fld>
             <a:endParaRPr lang="en-US" dirty="0"/>
           </a:p>
@@ -1879,7 +1877,7 @@
           <a:p>
             <a:fld id="{2CED4963-E985-44C4-B8C4-FDD613B7C2F8}" type="datetime1">
               <a:rPr lang="en-US" smtClean="0"/>
-              <a:t>11/4/20</a:t>
+              <a:t>11/5/20</a:t>
             </a:fld>
             <a:endParaRPr lang="en-US" dirty="0"/>
           </a:p>
@@ -2241,7 +2239,7 @@
           <a:p>
             <a:fld id="{ED291B17-9318-49DB-B28B-6E5994AE9581}" type="datetime1">
               <a:rPr lang="en-US" smtClean="0"/>
-              <a:t>11/4/20</a:t>
+              <a:t>11/5/20</a:t>
             </a:fld>
             <a:endParaRPr lang="en-US" dirty="0"/>
           </a:p>
@@ -2439,7 +2437,7 @@
           <a:p>
             <a:fld id="{78DD82B9-B8EE-4375-B6FF-88FA6ABB15D9}" type="datetime1">
               <a:rPr lang="en-US" smtClean="0"/>
-              <a:t>11/4/20</a:t>
+              <a:t>11/5/20</a:t>
             </a:fld>
             <a:endParaRPr lang="en-US" dirty="0"/>
           </a:p>
@@ -2751,7 +2749,7 @@
           <a:p>
             <a:fld id="{B2497495-0637-405E-AE64-5CC7506D51F5}" type="datetime1">
               <a:rPr lang="en-US" smtClean="0"/>
-              <a:t>11/4/20</a:t>
+              <a:t>11/5/20</a:t>
             </a:fld>
             <a:endParaRPr lang="en-US" dirty="0"/>
           </a:p>
@@ -3004,7 +3002,7 @@
           <a:p>
             <a:fld id="{7BFFD690-9426-415D-8B65-26881E07B2D4}" type="datetime1">
               <a:rPr lang="en-US" smtClean="0"/>
-              <a:t>11/4/20</a:t>
+              <a:t>11/5/20</a:t>
             </a:fld>
             <a:endParaRPr lang="en-US" dirty="0"/>
           </a:p>
@@ -3426,7 +3424,7 @@
           <a:p>
             <a:fld id="{04C4989A-474C-40DE-95B9-011C28B71673}" type="datetime1">
               <a:rPr lang="en-US" smtClean="0"/>
-              <a:t>11/4/20</a:t>
+              <a:t>11/5/20</a:t>
             </a:fld>
             <a:endParaRPr lang="en-US" dirty="0"/>
           </a:p>
@@ -3549,7 +3547,7 @@
           <a:p>
             <a:fld id="{5DB4ED54-5B5E-4A04-93D3-5772E3CE3818}" type="datetime1">
               <a:rPr lang="en-US" smtClean="0"/>
-              <a:t>11/4/20</a:t>
+              <a:t>11/5/20</a:t>
             </a:fld>
             <a:endParaRPr lang="en-US" dirty="0"/>
           </a:p>
@@ -3644,7 +3642,7 @@
           <a:p>
             <a:fld id="{4EDE50D6-574B-40AF-946F-D52A04ADE379}" type="datetime1">
               <a:rPr lang="en-US" smtClean="0"/>
-              <a:t>11/4/20</a:t>
+              <a:t>11/5/20</a:t>
             </a:fld>
             <a:endParaRPr lang="en-US" dirty="0"/>
           </a:p>
@@ -4021,7 +4019,7 @@
           <a:p>
             <a:fld id="{D82884F1-FFEA-405F-9602-3DCA865EDA4E}" type="datetime1">
               <a:rPr lang="en-US" smtClean="0"/>
-              <a:t>11/4/20</a:t>
+              <a:t>11/5/20</a:t>
             </a:fld>
             <a:endParaRPr lang="en-US" dirty="0"/>
           </a:p>
@@ -4314,7 +4312,7 @@
           <a:p>
             <a:fld id="{7E18DB4A-8810-4A10-AD5C-D5E2C667F5B3}" type="datetime1">
               <a:rPr lang="en-US" smtClean="0"/>
-              <a:t>11/4/20</a:t>
+              <a:t>11/5/20</a:t>
             </a:fld>
             <a:endParaRPr lang="en-US" dirty="0"/>
           </a:p>
@@ -4529,7 +4527,7 @@
           <a:p>
             <a:fld id="{ED291B17-9318-49DB-B28B-6E5994AE9581}" type="datetime1">
               <a:rPr lang="en-US" smtClean="0"/>
-              <a:t>11/4/20</a:t>
+              <a:t>11/5/20</a:t>
             </a:fld>
             <a:endParaRPr lang="en-US" dirty="0"/>
           </a:p>
@@ -7688,12 +7686,12 @@
           <a:p>
             <a:pPr algn="ctr"/>
             <a:r>
-              <a:rPr lang="pl-PL" sz="6600" dirty="0" err="1">
+              <a:rPr lang="pl-PL" sz="6600" cap="none" dirty="0" err="1">
                 <a:solidFill>
                   <a:srgbClr val="FFFF00"/>
                 </a:solidFill>
               </a:rPr>
-              <a:t>Print</a:t>
+              <a:t>print</a:t>
             </a:r>
             <a:r>
               <a:rPr lang="pl-PL" sz="6600" dirty="0">
